--- a/Poster/Poster_Presentation.pptx
+++ b/Poster/Poster_Presentation.pptx
@@ -13579,7 +13579,7 @@
                         <a:buNone/>
                       </a:pPr>
                       <a:r>
-                        <a:rPr lang="en-US" sz="1300" b="0" u="none" strike="noStrike">
+                        <a:rPr lang="en-US" sz="1300" b="0" u="none" strike="noStrike" dirty="0">
                           <a:solidFill>
                             <a:srgbClr val="000000"/>
                           </a:solidFill>
@@ -14445,1059 +14445,6 @@
           </p:sp>
         </mc:Fallback>
       </mc:AlternateContent>
-      <p:graphicFrame>
-        <p:nvGraphicFramePr>
-          <p:cNvPr id="21" name="Table 20">
-            <a:extLst>
-              <a:ext uri="{FF2B5EF4-FFF2-40B4-BE49-F238E27FC236}">
-                <a16:creationId xmlns:a16="http://schemas.microsoft.com/office/drawing/2014/main" id="{03CDFD4B-C76F-D8C4-F1F4-A581FAE5CD5A}"/>
-              </a:ext>
-            </a:extLst>
-          </p:cNvPr>
-          <p:cNvGraphicFramePr>
-            <a:graphicFrameLocks noGrp="1"/>
-          </p:cNvGraphicFramePr>
-          <p:nvPr>
-            <p:extLst>
-              <p:ext uri="{D42A27DB-BD31-4B8C-83A1-F6EECF244321}">
-                <p14:modId xmlns:p14="http://schemas.microsoft.com/office/powerpoint/2010/main" val="2623703248"/>
-              </p:ext>
-            </p:extLst>
-          </p:nvPr>
-        </p:nvGraphicFramePr>
-        <p:xfrm>
-          <a:off x="16068210" y="11692574"/>
-          <a:ext cx="5480400" cy="1958598"/>
-        </p:xfrm>
-        <a:graphic>
-          <a:graphicData uri="http://schemas.openxmlformats.org/drawingml/2006/table">
-            <a:tbl>
-              <a:tblPr>
-                <a:tableStyleId>{305F176E-F5B0-49BC-A6F0-7B532ED82268}</a:tableStyleId>
-              </a:tblPr>
-              <a:tblGrid>
-                <a:gridCol w="733751">
-                  <a:extLst>
-                    <a:ext uri="{9D8B030D-6E8A-4147-A177-3AD203B41FA5}">
-                      <a16:colId xmlns:a16="http://schemas.microsoft.com/office/drawing/2014/main" val="3099122297"/>
-                    </a:ext>
-                  </a:extLst>
-                </a:gridCol>
-                <a:gridCol w="785591">
-                  <a:extLst>
-                    <a:ext uri="{9D8B030D-6E8A-4147-A177-3AD203B41FA5}">
-                      <a16:colId xmlns:a16="http://schemas.microsoft.com/office/drawing/2014/main" val="419928829"/>
-                    </a:ext>
-                  </a:extLst>
-                </a:gridCol>
-                <a:gridCol w="876528">
-                  <a:extLst>
-                    <a:ext uri="{9D8B030D-6E8A-4147-A177-3AD203B41FA5}">
-                      <a16:colId xmlns:a16="http://schemas.microsoft.com/office/drawing/2014/main" val="677725414"/>
-                    </a:ext>
-                  </a:extLst>
-                </a:gridCol>
-                <a:gridCol w="3084530">
-                  <a:extLst>
-                    <a:ext uri="{9D8B030D-6E8A-4147-A177-3AD203B41FA5}">
-                      <a16:colId xmlns:a16="http://schemas.microsoft.com/office/drawing/2014/main" val="1933723019"/>
-                    </a:ext>
-                  </a:extLst>
-                </a:gridCol>
-              </a:tblGrid>
-              <a:tr h="324384">
-                <a:tc>
-                  <a:txBody>
-                    <a:bodyPr/>
-                    <a:lstStyle/>
-                    <a:p>
-                      <a:pPr lvl="1" algn="ctr" rtl="0" fontAlgn="t">
-                        <a:buNone/>
-                      </a:pPr>
-                      <a:r>
-                        <a:rPr lang="en-US" sz="1300" b="0" u="none" strike="noStrike">
-                          <a:solidFill>
-                            <a:srgbClr val="000000"/>
-                          </a:solidFill>
-                          <a:effectLst/>
-                        </a:rPr>
-                        <a:t>Mean</a:t>
-                      </a:r>
-                      <a:endParaRPr lang="en-US" sz="1300" b="0" dirty="0">
-                        <a:effectLst/>
-                      </a:endParaRPr>
-                    </a:p>
-                  </a:txBody>
-                  <a:tcPr marL="16500" marR="16500" marT="57749" marB="16500" anchor="ctr">
-                    <a:lnL w="12700" cap="flat" cmpd="sng" algn="ctr">
-                      <a:solidFill>
-                        <a:schemeClr val="tx1"/>
-                      </a:solidFill>
-                      <a:prstDash val="solid"/>
-                      <a:round/>
-                      <a:headEnd type="none" w="med" len="med"/>
-                      <a:tailEnd type="none" w="med" len="med"/>
-                    </a:lnL>
-                    <a:lnR w="12700" cap="flat" cmpd="sng" algn="ctr">
-                      <a:solidFill>
-                        <a:schemeClr val="tx1"/>
-                      </a:solidFill>
-                      <a:prstDash val="solid"/>
-                      <a:round/>
-                      <a:headEnd type="none" w="med" len="med"/>
-                      <a:tailEnd type="none" w="med" len="med"/>
-                    </a:lnR>
-                    <a:lnT w="12700" cap="flat" cmpd="sng" algn="ctr">
-                      <a:solidFill>
-                        <a:schemeClr val="tx1"/>
-                      </a:solidFill>
-                      <a:prstDash val="solid"/>
-                      <a:round/>
-                      <a:headEnd type="none" w="med" len="med"/>
-                      <a:tailEnd type="none" w="med" len="med"/>
-                    </a:lnT>
-                    <a:lnB w="12700" cap="flat" cmpd="sng" algn="ctr">
-                      <a:solidFill>
-                        <a:schemeClr val="tx1"/>
-                      </a:solidFill>
-                      <a:prstDash val="solid"/>
-                      <a:round/>
-                      <a:headEnd type="none" w="med" len="med"/>
-                      <a:tailEnd type="none" w="med" len="med"/>
-                    </a:lnB>
-                  </a:tcPr>
-                </a:tc>
-                <a:tc>
-                  <a:txBody>
-                    <a:bodyPr/>
-                    <a:lstStyle/>
-                    <a:p>
-                      <a:pPr lvl="1" algn="ctr" rtl="0" fontAlgn="t">
-                        <a:buNone/>
-                      </a:pPr>
-                      <a:r>
-                        <a:rPr lang="en-US" sz="1300" b="0" u="none" strike="noStrike">
-                          <a:solidFill>
-                            <a:srgbClr val="000000"/>
-                          </a:solidFill>
-                          <a:effectLst/>
-                        </a:rPr>
-                        <a:t>2.5%</a:t>
-                      </a:r>
-                      <a:endParaRPr lang="en-US" sz="1300" b="0" dirty="0">
-                        <a:effectLst/>
-                      </a:endParaRPr>
-                    </a:p>
-                  </a:txBody>
-                  <a:tcPr marL="16500" marR="16500" marT="57749" marB="16500" anchor="ctr">
-                    <a:lnL w="12700" cap="flat" cmpd="sng" algn="ctr">
-                      <a:solidFill>
-                        <a:schemeClr val="tx1"/>
-                      </a:solidFill>
-                      <a:prstDash val="solid"/>
-                      <a:round/>
-                      <a:headEnd type="none" w="med" len="med"/>
-                      <a:tailEnd type="none" w="med" len="med"/>
-                    </a:lnL>
-                    <a:lnR w="12700" cap="flat" cmpd="sng" algn="ctr">
-                      <a:solidFill>
-                        <a:schemeClr val="tx1"/>
-                      </a:solidFill>
-                      <a:prstDash val="solid"/>
-                      <a:round/>
-                      <a:headEnd type="none" w="med" len="med"/>
-                      <a:tailEnd type="none" w="med" len="med"/>
-                    </a:lnR>
-                    <a:lnT w="12700" cap="flat" cmpd="sng" algn="ctr">
-                      <a:solidFill>
-                        <a:schemeClr val="tx1"/>
-                      </a:solidFill>
-                      <a:prstDash val="solid"/>
-                      <a:round/>
-                      <a:headEnd type="none" w="med" len="med"/>
-                      <a:tailEnd type="none" w="med" len="med"/>
-                    </a:lnT>
-                    <a:lnB w="12700" cap="flat" cmpd="sng" algn="ctr">
-                      <a:solidFill>
-                        <a:schemeClr val="tx1"/>
-                      </a:solidFill>
-                      <a:prstDash val="solid"/>
-                      <a:round/>
-                      <a:headEnd type="none" w="med" len="med"/>
-                      <a:tailEnd type="none" w="med" len="med"/>
-                    </a:lnB>
-                  </a:tcPr>
-                </a:tc>
-                <a:tc>
-                  <a:txBody>
-                    <a:bodyPr/>
-                    <a:lstStyle/>
-                    <a:p>
-                      <a:pPr lvl="1" algn="ctr" rtl="0" fontAlgn="t">
-                        <a:buNone/>
-                      </a:pPr>
-                      <a:r>
-                        <a:rPr lang="en-US" sz="1300" b="0" u="none" strike="noStrike">
-                          <a:solidFill>
-                            <a:srgbClr val="000000"/>
-                          </a:solidFill>
-                          <a:effectLst/>
-                        </a:rPr>
-                        <a:t>97.5%</a:t>
-                      </a:r>
-                      <a:endParaRPr lang="en-US" sz="1300" b="0" dirty="0">
-                        <a:effectLst/>
-                      </a:endParaRPr>
-                    </a:p>
-                  </a:txBody>
-                  <a:tcPr marL="16500" marR="16500" marT="57749" marB="16500" anchor="ctr">
-                    <a:lnL w="12700" cap="flat" cmpd="sng" algn="ctr">
-                      <a:solidFill>
-                        <a:schemeClr val="tx1"/>
-                      </a:solidFill>
-                      <a:prstDash val="solid"/>
-                      <a:round/>
-                      <a:headEnd type="none" w="med" len="med"/>
-                      <a:tailEnd type="none" w="med" len="med"/>
-                    </a:lnL>
-                    <a:lnR w="12700" cap="flat" cmpd="sng" algn="ctr">
-                      <a:solidFill>
-                        <a:schemeClr val="tx1"/>
-                      </a:solidFill>
-                      <a:prstDash val="solid"/>
-                      <a:round/>
-                      <a:headEnd type="none" w="med" len="med"/>
-                      <a:tailEnd type="none" w="med" len="med"/>
-                    </a:lnR>
-                    <a:lnT w="12700" cap="flat" cmpd="sng" algn="ctr">
-                      <a:solidFill>
-                        <a:schemeClr val="tx1"/>
-                      </a:solidFill>
-                      <a:prstDash val="solid"/>
-                      <a:round/>
-                      <a:headEnd type="none" w="med" len="med"/>
-                      <a:tailEnd type="none" w="med" len="med"/>
-                    </a:lnT>
-                    <a:lnB w="12700" cap="flat" cmpd="sng" algn="ctr">
-                      <a:solidFill>
-                        <a:schemeClr val="tx1"/>
-                      </a:solidFill>
-                      <a:prstDash val="solid"/>
-                      <a:round/>
-                      <a:headEnd type="none" w="med" len="med"/>
-                      <a:tailEnd type="none" w="med" len="med"/>
-                    </a:lnB>
-                  </a:tcPr>
-                </a:tc>
-                <a:tc>
-                  <a:txBody>
-                    <a:bodyPr/>
-                    <a:lstStyle/>
-                    <a:p>
-                      <a:pPr lvl="1" algn="ctr" rtl="0" fontAlgn="t">
-                        <a:buNone/>
-                      </a:pPr>
-                      <a:r>
-                        <a:rPr lang="en-US" sz="1300" b="0" u="none" strike="noStrike">
-                          <a:solidFill>
-                            <a:srgbClr val="000000"/>
-                          </a:solidFill>
-                          <a:effectLst/>
-                        </a:rPr>
-                        <a:t>Region</a:t>
-                      </a:r>
-                      <a:endParaRPr lang="en-US" sz="1300" b="0" dirty="0">
-                        <a:effectLst/>
-                      </a:endParaRPr>
-                    </a:p>
-                  </a:txBody>
-                  <a:tcPr marL="16500" marR="16500" marT="57749" marB="16500" anchor="ctr">
-                    <a:lnL w="12700" cap="flat" cmpd="sng" algn="ctr">
-                      <a:solidFill>
-                        <a:schemeClr val="tx1"/>
-                      </a:solidFill>
-                      <a:prstDash val="solid"/>
-                      <a:round/>
-                      <a:headEnd type="none" w="med" len="med"/>
-                      <a:tailEnd type="none" w="med" len="med"/>
-                    </a:lnL>
-                    <a:lnR w="12700" cap="flat" cmpd="sng" algn="ctr">
-                      <a:solidFill>
-                        <a:schemeClr val="tx1"/>
-                      </a:solidFill>
-                      <a:prstDash val="solid"/>
-                      <a:round/>
-                      <a:headEnd type="none" w="med" len="med"/>
-                      <a:tailEnd type="none" w="med" len="med"/>
-                    </a:lnR>
-                    <a:lnT w="12700" cap="flat" cmpd="sng" algn="ctr">
-                      <a:solidFill>
-                        <a:schemeClr val="tx1"/>
-                      </a:solidFill>
-                      <a:prstDash val="solid"/>
-                      <a:round/>
-                      <a:headEnd type="none" w="med" len="med"/>
-                      <a:tailEnd type="none" w="med" len="med"/>
-                    </a:lnT>
-                    <a:lnB w="12700" cap="flat" cmpd="sng" algn="ctr">
-                      <a:solidFill>
-                        <a:schemeClr val="tx1"/>
-                      </a:solidFill>
-                      <a:prstDash val="solid"/>
-                      <a:round/>
-                      <a:headEnd type="none" w="med" len="med"/>
-                      <a:tailEnd type="none" w="med" len="med"/>
-                    </a:lnB>
-                  </a:tcPr>
-                </a:tc>
-                <a:extLst>
-                  <a:ext uri="{0D108BD9-81ED-4DB2-BD59-A6C34878D82A}">
-                    <a16:rowId xmlns:a16="http://schemas.microsoft.com/office/drawing/2014/main" val="2923528179"/>
-                  </a:ext>
-                </a:extLst>
-              </a:tr>
-              <a:tr h="272245">
-                <a:tc>
-                  <a:txBody>
-                    <a:bodyPr/>
-                    <a:lstStyle/>
-                    <a:p>
-                      <a:pPr lvl="1" algn="ctr" rtl="0" fontAlgn="t">
-                        <a:buNone/>
-                      </a:pPr>
-                      <a:r>
-                        <a:rPr lang="en-US" sz="1300" b="0" u="none" strike="noStrike">
-                          <a:solidFill>
-                            <a:srgbClr val="000000"/>
-                          </a:solidFill>
-                          <a:effectLst/>
-                        </a:rPr>
-                        <a:t>7.96</a:t>
-                      </a:r>
-                      <a:endParaRPr lang="en-US" sz="1300">
-                        <a:effectLst/>
-                      </a:endParaRPr>
-                    </a:p>
-                  </a:txBody>
-                  <a:tcPr marL="16500" marR="16500" marT="57749" marB="16500">
-                    <a:lnT w="12700" cap="flat" cmpd="sng" algn="ctr">
-                      <a:solidFill>
-                        <a:schemeClr val="tx1"/>
-                      </a:solidFill>
-                      <a:prstDash val="solid"/>
-                      <a:round/>
-                      <a:headEnd type="none" w="med" len="med"/>
-                      <a:tailEnd type="none" w="med" len="med"/>
-                    </a:lnT>
-                  </a:tcPr>
-                </a:tc>
-                <a:tc>
-                  <a:txBody>
-                    <a:bodyPr/>
-                    <a:lstStyle/>
-                    <a:p>
-                      <a:pPr lvl="1" algn="ctr" rtl="0" fontAlgn="t">
-                        <a:buNone/>
-                      </a:pPr>
-                      <a:r>
-                        <a:rPr lang="en-US" sz="1300" b="0" u="none" strike="noStrike">
-                          <a:solidFill>
-                            <a:srgbClr val="000000"/>
-                          </a:solidFill>
-                          <a:effectLst/>
-                        </a:rPr>
-                        <a:t>7.37</a:t>
-                      </a:r>
-                      <a:endParaRPr lang="en-US" sz="1300">
-                        <a:effectLst/>
-                      </a:endParaRPr>
-                    </a:p>
-                  </a:txBody>
-                  <a:tcPr marL="16500" marR="16500" marT="57749" marB="16500">
-                    <a:lnT w="12700" cap="flat" cmpd="sng" algn="ctr">
-                      <a:solidFill>
-                        <a:schemeClr val="tx1"/>
-                      </a:solidFill>
-                      <a:prstDash val="solid"/>
-                      <a:round/>
-                      <a:headEnd type="none" w="med" len="med"/>
-                      <a:tailEnd type="none" w="med" len="med"/>
-                    </a:lnT>
-                  </a:tcPr>
-                </a:tc>
-                <a:tc>
-                  <a:txBody>
-                    <a:bodyPr/>
-                    <a:lstStyle/>
-                    <a:p>
-                      <a:pPr lvl="1" algn="ctr" rtl="0" fontAlgn="t">
-                        <a:buNone/>
-                      </a:pPr>
-                      <a:r>
-                        <a:rPr lang="en-US" sz="1300" b="0" u="none" strike="noStrike">
-                          <a:solidFill>
-                            <a:srgbClr val="000000"/>
-                          </a:solidFill>
-                          <a:effectLst/>
-                        </a:rPr>
-                        <a:t>8.55</a:t>
-                      </a:r>
-                      <a:endParaRPr lang="en-US" sz="1300" dirty="0">
-                        <a:effectLst/>
-                      </a:endParaRPr>
-                    </a:p>
-                  </a:txBody>
-                  <a:tcPr marL="16500" marR="16500" marT="57749" marB="16500">
-                    <a:lnT w="12700" cap="flat" cmpd="sng" algn="ctr">
-                      <a:solidFill>
-                        <a:schemeClr val="tx1"/>
-                      </a:solidFill>
-                      <a:prstDash val="solid"/>
-                      <a:round/>
-                      <a:headEnd type="none" w="med" len="med"/>
-                      <a:tailEnd type="none" w="med" len="med"/>
-                    </a:lnT>
-                  </a:tcPr>
-                </a:tc>
-                <a:tc>
-                  <a:txBody>
-                    <a:bodyPr/>
-                    <a:lstStyle/>
-                    <a:p>
-                      <a:pPr lvl="1" algn="ctr" rtl="0" fontAlgn="t">
-                        <a:buNone/>
-                      </a:pPr>
-                      <a:r>
-                        <a:rPr lang="en-US" sz="1300" b="0" u="none" strike="noStrike">
-                          <a:solidFill>
-                            <a:srgbClr val="000000"/>
-                          </a:solidFill>
-                          <a:effectLst/>
-                        </a:rPr>
-                        <a:t>HSE Mid West</a:t>
-                      </a:r>
-                      <a:endParaRPr lang="en-US" sz="1300" dirty="0">
-                        <a:effectLst/>
-                      </a:endParaRPr>
-                    </a:p>
-                  </a:txBody>
-                  <a:tcPr marL="16500" marR="16500" marT="57749" marB="16500">
-                    <a:lnT w="12700" cap="flat" cmpd="sng" algn="ctr">
-                      <a:solidFill>
-                        <a:schemeClr val="tx1"/>
-                      </a:solidFill>
-                      <a:prstDash val="solid"/>
-                      <a:round/>
-                      <a:headEnd type="none" w="med" len="med"/>
-                      <a:tailEnd type="none" w="med" len="med"/>
-                    </a:lnT>
-                  </a:tcPr>
-                </a:tc>
-                <a:extLst>
-                  <a:ext uri="{0D108BD9-81ED-4DB2-BD59-A6C34878D82A}">
-                    <a16:rowId xmlns:a16="http://schemas.microsoft.com/office/drawing/2014/main" val="196541862"/>
-                  </a:ext>
-                </a:extLst>
-              </a:tr>
-              <a:tr h="272245">
-                <a:tc>
-                  <a:txBody>
-                    <a:bodyPr/>
-                    <a:lstStyle/>
-                    <a:p>
-                      <a:pPr lvl="1" algn="ctr" rtl="0" fontAlgn="t">
-                        <a:buNone/>
-                      </a:pPr>
-                      <a:r>
-                        <a:rPr lang="en-US" sz="1300" b="0" u="none" strike="noStrike">
-                          <a:solidFill>
-                            <a:srgbClr val="000000"/>
-                          </a:solidFill>
-                          <a:effectLst/>
-                        </a:rPr>
-                        <a:t>6.18</a:t>
-                      </a:r>
-                      <a:endParaRPr lang="en-US" sz="1300">
-                        <a:effectLst/>
-                      </a:endParaRPr>
-                    </a:p>
-                  </a:txBody>
-                  <a:tcPr marL="16500" marR="16500" marT="57749" marB="16500"/>
-                </a:tc>
-                <a:tc>
-                  <a:txBody>
-                    <a:bodyPr/>
-                    <a:lstStyle/>
-                    <a:p>
-                      <a:pPr lvl="1" algn="ctr" rtl="0" fontAlgn="t">
-                        <a:buNone/>
-                      </a:pPr>
-                      <a:r>
-                        <a:rPr lang="en-US" sz="1300" b="0" u="none" strike="noStrike">
-                          <a:solidFill>
-                            <a:srgbClr val="000000"/>
-                          </a:solidFill>
-                          <a:effectLst/>
-                        </a:rPr>
-                        <a:t>5.67</a:t>
-                      </a:r>
-                      <a:endParaRPr lang="en-US" sz="1300">
-                        <a:effectLst/>
-                      </a:endParaRPr>
-                    </a:p>
-                  </a:txBody>
-                  <a:tcPr marL="16500" marR="16500" marT="57749" marB="16500"/>
-                </a:tc>
-                <a:tc>
-                  <a:txBody>
-                    <a:bodyPr/>
-                    <a:lstStyle/>
-                    <a:p>
-                      <a:pPr lvl="1" algn="ctr" rtl="0" fontAlgn="t">
-                        <a:buNone/>
-                      </a:pPr>
-                      <a:r>
-                        <a:rPr lang="en-US" sz="1300" b="0" u="none" strike="noStrike">
-                          <a:solidFill>
-                            <a:srgbClr val="000000"/>
-                          </a:solidFill>
-                          <a:effectLst/>
-                        </a:rPr>
-                        <a:t>6.7</a:t>
-                      </a:r>
-                      <a:endParaRPr lang="en-US" sz="1300">
-                        <a:effectLst/>
-                      </a:endParaRPr>
-                    </a:p>
-                  </a:txBody>
-                  <a:tcPr marL="16500" marR="16500" marT="57749" marB="16500"/>
-                </a:tc>
-                <a:tc>
-                  <a:txBody>
-                    <a:bodyPr/>
-                    <a:lstStyle/>
-                    <a:p>
-                      <a:pPr lvl="1" algn="ctr" rtl="0" fontAlgn="t">
-                        <a:buNone/>
-                      </a:pPr>
-                      <a:r>
-                        <a:rPr lang="en-US" sz="1300" b="0" u="none" strike="noStrike">
-                          <a:solidFill>
-                            <a:srgbClr val="000000"/>
-                          </a:solidFill>
-                          <a:effectLst/>
-                        </a:rPr>
-                        <a:t>HSE West and North West</a:t>
-                      </a:r>
-                      <a:endParaRPr lang="en-US" sz="1300" dirty="0">
-                        <a:effectLst/>
-                      </a:endParaRPr>
-                    </a:p>
-                  </a:txBody>
-                  <a:tcPr marL="16500" marR="16500" marT="57749" marB="16500"/>
-                </a:tc>
-                <a:extLst>
-                  <a:ext uri="{0D108BD9-81ED-4DB2-BD59-A6C34878D82A}">
-                    <a16:rowId xmlns:a16="http://schemas.microsoft.com/office/drawing/2014/main" val="973404960"/>
-                  </a:ext>
-                </a:extLst>
-              </a:tr>
-              <a:tr h="272245">
-                <a:tc>
-                  <a:txBody>
-                    <a:bodyPr/>
-                    <a:lstStyle/>
-                    <a:p>
-                      <a:pPr lvl="1" algn="ctr" rtl="0" fontAlgn="t">
-                        <a:buNone/>
-                      </a:pPr>
-                      <a:r>
-                        <a:rPr lang="en-US" sz="1300" b="0" u="none" strike="noStrike">
-                          <a:solidFill>
-                            <a:srgbClr val="000000"/>
-                          </a:solidFill>
-                          <a:effectLst/>
-                        </a:rPr>
-                        <a:t>4.27</a:t>
-                      </a:r>
-                      <a:endParaRPr lang="en-US" sz="1300" dirty="0">
-                        <a:effectLst/>
-                      </a:endParaRPr>
-                    </a:p>
-                  </a:txBody>
-                  <a:tcPr marL="16500" marR="16500" marT="57749" marB="16500">
-                    <a:lnB w="12700" cap="flat" cmpd="sng" algn="ctr">
-                      <a:solidFill>
-                        <a:schemeClr val="tx1"/>
-                      </a:solidFill>
-                      <a:prstDash val="solid"/>
-                      <a:round/>
-                      <a:headEnd type="none" w="med" len="med"/>
-                      <a:tailEnd type="none" w="med" len="med"/>
-                    </a:lnB>
-                  </a:tcPr>
-                </a:tc>
-                <a:tc>
-                  <a:txBody>
-                    <a:bodyPr/>
-                    <a:lstStyle/>
-                    <a:p>
-                      <a:pPr lvl="1" algn="ctr" rtl="0" fontAlgn="t">
-                        <a:buNone/>
-                      </a:pPr>
-                      <a:r>
-                        <a:rPr lang="en-US" sz="1300" b="0" u="none" strike="noStrike">
-                          <a:solidFill>
-                            <a:srgbClr val="000000"/>
-                          </a:solidFill>
-                          <a:effectLst/>
-                        </a:rPr>
-                        <a:t>3.82</a:t>
-                      </a:r>
-                      <a:endParaRPr lang="en-US" sz="1300">
-                        <a:effectLst/>
-                      </a:endParaRPr>
-                    </a:p>
-                  </a:txBody>
-                  <a:tcPr marL="16500" marR="16500" marT="57749" marB="16500">
-                    <a:lnB w="12700" cap="flat" cmpd="sng" algn="ctr">
-                      <a:solidFill>
-                        <a:schemeClr val="tx1"/>
-                      </a:solidFill>
-                      <a:prstDash val="solid"/>
-                      <a:round/>
-                      <a:headEnd type="none" w="med" len="med"/>
-                      <a:tailEnd type="none" w="med" len="med"/>
-                    </a:lnB>
-                  </a:tcPr>
-                </a:tc>
-                <a:tc>
-                  <a:txBody>
-                    <a:bodyPr/>
-                    <a:lstStyle/>
-                    <a:p>
-                      <a:pPr lvl="1" algn="ctr" rtl="0" fontAlgn="t">
-                        <a:buNone/>
-                      </a:pPr>
-                      <a:r>
-                        <a:rPr lang="en-US" sz="1300" b="0" u="none" strike="noStrike">
-                          <a:solidFill>
-                            <a:srgbClr val="000000"/>
-                          </a:solidFill>
-                          <a:effectLst/>
-                        </a:rPr>
-                        <a:t>4.7</a:t>
-                      </a:r>
-                      <a:endParaRPr lang="en-US" sz="1300">
-                        <a:effectLst/>
-                      </a:endParaRPr>
-                    </a:p>
-                  </a:txBody>
-                  <a:tcPr marL="16500" marR="16500" marT="57749" marB="16500">
-                    <a:lnB w="12700" cap="flat" cmpd="sng" algn="ctr">
-                      <a:solidFill>
-                        <a:schemeClr val="tx1"/>
-                      </a:solidFill>
-                      <a:prstDash val="solid"/>
-                      <a:round/>
-                      <a:headEnd type="none" w="med" len="med"/>
-                      <a:tailEnd type="none" w="med" len="med"/>
-                    </a:lnB>
-                  </a:tcPr>
-                </a:tc>
-                <a:tc>
-                  <a:txBody>
-                    <a:bodyPr/>
-                    <a:lstStyle/>
-                    <a:p>
-                      <a:pPr lvl="1" algn="ctr" rtl="0" fontAlgn="t">
-                        <a:buNone/>
-                      </a:pPr>
-                      <a:r>
-                        <a:rPr lang="en-US" sz="1300" b="0" u="none" strike="noStrike">
-                          <a:solidFill>
-                            <a:srgbClr val="000000"/>
-                          </a:solidFill>
-                          <a:effectLst/>
-                        </a:rPr>
-                        <a:t>HSE South West</a:t>
-                      </a:r>
-                      <a:endParaRPr lang="en-US" sz="1300" dirty="0">
-                        <a:effectLst/>
-                      </a:endParaRPr>
-                    </a:p>
-                  </a:txBody>
-                  <a:tcPr marL="16500" marR="16500" marT="57749" marB="16500">
-                    <a:lnB w="12700" cap="flat" cmpd="sng" algn="ctr">
-                      <a:solidFill>
-                        <a:schemeClr val="tx1"/>
-                      </a:solidFill>
-                      <a:prstDash val="solid"/>
-                      <a:round/>
-                      <a:headEnd type="none" w="med" len="med"/>
-                      <a:tailEnd type="none" w="med" len="med"/>
-                    </a:lnB>
-                  </a:tcPr>
-                </a:tc>
-                <a:extLst>
-                  <a:ext uri="{0D108BD9-81ED-4DB2-BD59-A6C34878D82A}">
-                    <a16:rowId xmlns:a16="http://schemas.microsoft.com/office/drawing/2014/main" val="3192462958"/>
-                  </a:ext>
-                </a:extLst>
-              </a:tr>
-              <a:tr h="272245">
-                <a:tc>
-                  <a:txBody>
-                    <a:bodyPr/>
-                    <a:lstStyle/>
-                    <a:p>
-                      <a:pPr lvl="1" algn="ctr" rtl="0" fontAlgn="t">
-                        <a:buNone/>
-                      </a:pPr>
-                      <a:r>
-                        <a:rPr lang="en-US" sz="1300" b="0" u="none" strike="noStrike">
-                          <a:solidFill>
-                            <a:srgbClr val="000000"/>
-                          </a:solidFill>
-                          <a:effectLst/>
-                        </a:rPr>
-                        <a:t>3.82</a:t>
-                      </a:r>
-                      <a:endParaRPr lang="en-US" sz="1300">
-                        <a:effectLst/>
-                      </a:endParaRPr>
-                    </a:p>
-                  </a:txBody>
-                  <a:tcPr marL="16500" marR="16500" marT="57749" marB="16500">
-                    <a:lnT w="12700" cap="flat" cmpd="sng" algn="ctr">
-                      <a:solidFill>
-                        <a:schemeClr val="tx1"/>
-                      </a:solidFill>
-                      <a:prstDash val="solid"/>
-                      <a:round/>
-                      <a:headEnd type="none" w="med" len="med"/>
-                      <a:tailEnd type="none" w="med" len="med"/>
-                    </a:lnT>
-                  </a:tcPr>
-                </a:tc>
-                <a:tc>
-                  <a:txBody>
-                    <a:bodyPr/>
-                    <a:lstStyle/>
-                    <a:p>
-                      <a:pPr lvl="1" algn="ctr" rtl="0" fontAlgn="t">
-                        <a:buNone/>
-                      </a:pPr>
-                      <a:r>
-                        <a:rPr lang="en-US" sz="1300" b="0" u="none" strike="noStrike">
-                          <a:solidFill>
-                            <a:srgbClr val="000000"/>
-                          </a:solidFill>
-                          <a:effectLst/>
-                        </a:rPr>
-                        <a:t>3.45</a:t>
-                      </a:r>
-                      <a:endParaRPr lang="en-US" sz="1300">
-                        <a:effectLst/>
-                      </a:endParaRPr>
-                    </a:p>
-                  </a:txBody>
-                  <a:tcPr marL="16500" marR="16500" marT="57749" marB="16500">
-                    <a:lnT w="12700" cap="flat" cmpd="sng" algn="ctr">
-                      <a:solidFill>
-                        <a:schemeClr val="tx1"/>
-                      </a:solidFill>
-                      <a:prstDash val="solid"/>
-                      <a:round/>
-                      <a:headEnd type="none" w="med" len="med"/>
-                      <a:tailEnd type="none" w="med" len="med"/>
-                    </a:lnT>
-                  </a:tcPr>
-                </a:tc>
-                <a:tc>
-                  <a:txBody>
-                    <a:bodyPr/>
-                    <a:lstStyle/>
-                    <a:p>
-                      <a:pPr lvl="1" algn="ctr" rtl="0" fontAlgn="t">
-                        <a:buNone/>
-                      </a:pPr>
-                      <a:r>
-                        <a:rPr lang="en-US" sz="1300" b="0" u="none" strike="noStrike">
-                          <a:solidFill>
-                            <a:srgbClr val="000000"/>
-                          </a:solidFill>
-                          <a:effectLst/>
-                        </a:rPr>
-                        <a:t>4.18</a:t>
-                      </a:r>
-                      <a:endParaRPr lang="en-US" sz="1300" dirty="0">
-                        <a:effectLst/>
-                      </a:endParaRPr>
-                    </a:p>
-                  </a:txBody>
-                  <a:tcPr marL="16500" marR="16500" marT="57749" marB="16500">
-                    <a:lnT w="12700" cap="flat" cmpd="sng" algn="ctr">
-                      <a:solidFill>
-                        <a:schemeClr val="tx1"/>
-                      </a:solidFill>
-                      <a:prstDash val="solid"/>
-                      <a:round/>
-                      <a:headEnd type="none" w="med" len="med"/>
-                      <a:tailEnd type="none" w="med" len="med"/>
-                    </a:lnT>
-                  </a:tcPr>
-                </a:tc>
-                <a:tc>
-                  <a:txBody>
-                    <a:bodyPr/>
-                    <a:lstStyle/>
-                    <a:p>
-                      <a:pPr lvl="1" algn="ctr" rtl="0" fontAlgn="t">
-                        <a:buNone/>
-                      </a:pPr>
-                      <a:r>
-                        <a:rPr lang="en-US" sz="1300" b="0" u="none" strike="noStrike">
-                          <a:solidFill>
-                            <a:srgbClr val="000000"/>
-                          </a:solidFill>
-                          <a:effectLst/>
-                        </a:rPr>
-                        <a:t>HSE Dublin and Midlands</a:t>
-                      </a:r>
-                      <a:endParaRPr lang="en-US" sz="1300">
-                        <a:effectLst/>
-                      </a:endParaRPr>
-                    </a:p>
-                  </a:txBody>
-                  <a:tcPr marL="16500" marR="16500" marT="57749" marB="16500">
-                    <a:lnT w="12700" cap="flat" cmpd="sng" algn="ctr">
-                      <a:solidFill>
-                        <a:schemeClr val="tx1"/>
-                      </a:solidFill>
-                      <a:prstDash val="solid"/>
-                      <a:round/>
-                      <a:headEnd type="none" w="med" len="med"/>
-                      <a:tailEnd type="none" w="med" len="med"/>
-                    </a:lnT>
-                  </a:tcPr>
-                </a:tc>
-                <a:extLst>
-                  <a:ext uri="{0D108BD9-81ED-4DB2-BD59-A6C34878D82A}">
-                    <a16:rowId xmlns:a16="http://schemas.microsoft.com/office/drawing/2014/main" val="2759746173"/>
-                  </a:ext>
-                </a:extLst>
-              </a:tr>
-              <a:tr h="272245">
-                <a:tc>
-                  <a:txBody>
-                    <a:bodyPr/>
-                    <a:lstStyle/>
-                    <a:p>
-                      <a:pPr lvl="1" algn="ctr" rtl="0" fontAlgn="t">
-                        <a:buNone/>
-                      </a:pPr>
-                      <a:r>
-                        <a:rPr lang="en-US" sz="1300" b="0" u="none" strike="noStrike">
-                          <a:solidFill>
-                            <a:srgbClr val="000000"/>
-                          </a:solidFill>
-                          <a:effectLst/>
-                        </a:rPr>
-                        <a:t>2.87</a:t>
-                      </a:r>
-                      <a:endParaRPr lang="en-US" sz="1300">
-                        <a:effectLst/>
-                      </a:endParaRPr>
-                    </a:p>
-                  </a:txBody>
-                  <a:tcPr marL="16500" marR="16500" marT="57749" marB="16500"/>
-                </a:tc>
-                <a:tc>
-                  <a:txBody>
-                    <a:bodyPr/>
-                    <a:lstStyle/>
-                    <a:p>
-                      <a:pPr lvl="1" algn="ctr" rtl="0" fontAlgn="t">
-                        <a:buNone/>
-                      </a:pPr>
-                      <a:r>
-                        <a:rPr lang="en-US" sz="1300" b="0" u="none" strike="noStrike">
-                          <a:solidFill>
-                            <a:srgbClr val="000000"/>
-                          </a:solidFill>
-                          <a:effectLst/>
-                        </a:rPr>
-                        <a:t>2.6</a:t>
-                      </a:r>
-                      <a:endParaRPr lang="en-US" sz="1300">
-                        <a:effectLst/>
-                      </a:endParaRPr>
-                    </a:p>
-                  </a:txBody>
-                  <a:tcPr marL="16500" marR="16500" marT="57749" marB="16500"/>
-                </a:tc>
-                <a:tc>
-                  <a:txBody>
-                    <a:bodyPr/>
-                    <a:lstStyle/>
-                    <a:p>
-                      <a:pPr lvl="1" algn="ctr" rtl="0" fontAlgn="t">
-                        <a:buNone/>
-                      </a:pPr>
-                      <a:r>
-                        <a:rPr lang="en-US" sz="1300" b="0" u="none" strike="noStrike">
-                          <a:solidFill>
-                            <a:srgbClr val="000000"/>
-                          </a:solidFill>
-                          <a:effectLst/>
-                        </a:rPr>
-                        <a:t>3.13</a:t>
-                      </a:r>
-                      <a:endParaRPr lang="en-US" sz="1300">
-                        <a:effectLst/>
-                      </a:endParaRPr>
-                    </a:p>
-                  </a:txBody>
-                  <a:tcPr marL="16500" marR="16500" marT="57749" marB="16500"/>
-                </a:tc>
-                <a:tc>
-                  <a:txBody>
-                    <a:bodyPr/>
-                    <a:lstStyle/>
-                    <a:p>
-                      <a:pPr lvl="1" algn="ctr" rtl="0" fontAlgn="t">
-                        <a:buNone/>
-                      </a:pPr>
-                      <a:r>
-                        <a:rPr lang="en-US" sz="1300" b="0" u="none" strike="noStrike">
-                          <a:solidFill>
-                            <a:srgbClr val="000000"/>
-                          </a:solidFill>
-                          <a:effectLst/>
-                        </a:rPr>
-                        <a:t>HSE Dublin and South East</a:t>
-                      </a:r>
-                      <a:endParaRPr lang="en-US" sz="1300" dirty="0">
-                        <a:effectLst/>
-                      </a:endParaRPr>
-                    </a:p>
-                  </a:txBody>
-                  <a:tcPr marL="16500" marR="16500" marT="57749" marB="16500"/>
-                </a:tc>
-                <a:extLst>
-                  <a:ext uri="{0D108BD9-81ED-4DB2-BD59-A6C34878D82A}">
-                    <a16:rowId xmlns:a16="http://schemas.microsoft.com/office/drawing/2014/main" val="2869726007"/>
-                  </a:ext>
-                </a:extLst>
-              </a:tr>
-              <a:tr h="272245">
-                <a:tc>
-                  <a:txBody>
-                    <a:bodyPr/>
-                    <a:lstStyle/>
-                    <a:p>
-                      <a:pPr lvl="1" algn="ctr" rtl="0" fontAlgn="t">
-                        <a:buNone/>
-                      </a:pPr>
-                      <a:r>
-                        <a:rPr lang="en-US" sz="1300" b="0" u="none" strike="noStrike">
-                          <a:solidFill>
-                            <a:srgbClr val="000000"/>
-                          </a:solidFill>
-                          <a:effectLst/>
-                        </a:rPr>
-                        <a:t>2.18</a:t>
-                      </a:r>
-                      <a:endParaRPr lang="en-US" sz="1300">
-                        <a:effectLst/>
-                      </a:endParaRPr>
-                    </a:p>
-                  </a:txBody>
-                  <a:tcPr marL="16500" marR="16500" marT="57749" marB="16500"/>
-                </a:tc>
-                <a:tc>
-                  <a:txBody>
-                    <a:bodyPr/>
-                    <a:lstStyle/>
-                    <a:p>
-                      <a:pPr lvl="1" algn="ctr" rtl="0" fontAlgn="t">
-                        <a:buNone/>
-                      </a:pPr>
-                      <a:r>
-                        <a:rPr lang="en-US" sz="1300" b="0" u="none" strike="noStrike">
-                          <a:solidFill>
-                            <a:srgbClr val="000000"/>
-                          </a:solidFill>
-                          <a:effectLst/>
-                        </a:rPr>
-                        <a:t>1.94</a:t>
-                      </a:r>
-                      <a:endParaRPr lang="en-US" sz="1300" dirty="0">
-                        <a:effectLst/>
-                      </a:endParaRPr>
-                    </a:p>
-                  </a:txBody>
-                  <a:tcPr marL="16500" marR="16500" marT="57749" marB="16500"/>
-                </a:tc>
-                <a:tc>
-                  <a:txBody>
-                    <a:bodyPr/>
-                    <a:lstStyle/>
-                    <a:p>
-                      <a:pPr lvl="1" algn="ctr" rtl="0" fontAlgn="t">
-                        <a:buNone/>
-                      </a:pPr>
-                      <a:r>
-                        <a:rPr lang="en-US" sz="1300" b="0" u="none" strike="noStrike">
-                          <a:solidFill>
-                            <a:srgbClr val="000000"/>
-                          </a:solidFill>
-                          <a:effectLst/>
-                        </a:rPr>
-                        <a:t>2.41</a:t>
-                      </a:r>
-                      <a:endParaRPr lang="en-US" sz="1300" dirty="0">
-                        <a:effectLst/>
-                      </a:endParaRPr>
-                    </a:p>
-                  </a:txBody>
-                  <a:tcPr marL="16500" marR="16500" marT="57749" marB="16500"/>
-                </a:tc>
-                <a:tc>
-                  <a:txBody>
-                    <a:bodyPr/>
-                    <a:lstStyle/>
-                    <a:p>
-                      <a:pPr lvl="1" algn="ctr" rtl="0" fontAlgn="t">
-                        <a:buNone/>
-                      </a:pPr>
-                      <a:r>
-                        <a:rPr lang="en-US" sz="1300" b="0" u="none" strike="noStrike" dirty="0">
-                          <a:solidFill>
-                            <a:srgbClr val="000000"/>
-                          </a:solidFill>
-                          <a:effectLst/>
-                        </a:rPr>
-                        <a:t>HSE Dublin and North East</a:t>
-                      </a:r>
-                      <a:endParaRPr lang="en-US" sz="1300" dirty="0">
-                        <a:effectLst/>
-                      </a:endParaRPr>
-                    </a:p>
-                  </a:txBody>
-                  <a:tcPr marL="16500" marR="16500" marT="57749" marB="16500"/>
-                </a:tc>
-                <a:extLst>
-                  <a:ext uri="{0D108BD9-81ED-4DB2-BD59-A6C34878D82A}">
-                    <a16:rowId xmlns:a16="http://schemas.microsoft.com/office/drawing/2014/main" val="496865087"/>
-                  </a:ext>
-                </a:extLst>
-              </a:tr>
-            </a:tbl>
-          </a:graphicData>
-        </a:graphic>
-      </p:graphicFrame>
       <mc:AlternateContent xmlns:mc="http://schemas.openxmlformats.org/markup-compatibility/2006">
         <mc:Choice xmlns:a14="http://schemas.microsoft.com/office/drawing/2010/main" Requires="a14">
           <p:sp>
@@ -15514,7 +14461,7 @@
             </p:nvSpPr>
             <p:spPr>
               <a:xfrm>
-                <a:off x="15526764" y="12518772"/>
+                <a:off x="15747773" y="12513919"/>
                 <a:ext cx="584155" cy="399789"/>
               </a:xfrm>
               <a:prstGeom prst="rect">
@@ -15566,7 +14513,7 @@
             </p:nvSpPr>
             <p:spPr>
               <a:xfrm>
-                <a:off x="15526764" y="12518772"/>
+                <a:off x="15747773" y="12513919"/>
                 <a:ext cx="584155" cy="399789"/>
               </a:xfrm>
               <a:prstGeom prst="rect">
@@ -15575,7 +14522,7 @@
               <a:blipFill>
                 <a:blip r:embed="rId25"/>
                 <a:stretch>
-                  <a:fillRect l="-12766" t="-24242" b="-45455"/>
+                  <a:fillRect l="-12766" t="-25000" b="-46875"/>
                 </a:stretch>
               </a:blipFill>
             </p:spPr>
@@ -15754,6 +14701,2189 @@
           </a:p>
         </p:txBody>
       </p:sp>
+      <p:graphicFrame>
+        <p:nvGraphicFramePr>
+          <p:cNvPr id="36" name="Table 35">
+            <a:extLst>
+              <a:ext uri="{FF2B5EF4-FFF2-40B4-BE49-F238E27FC236}">
+                <a16:creationId xmlns:a16="http://schemas.microsoft.com/office/drawing/2014/main" id="{2D7358FA-850B-0006-AFCB-6D870856E2F3}"/>
+              </a:ext>
+            </a:extLst>
+          </p:cNvPr>
+          <p:cNvGraphicFramePr>
+            <a:graphicFrameLocks noGrp="1"/>
+          </p:cNvGraphicFramePr>
+          <p:nvPr>
+            <p:extLst>
+              <p:ext uri="{D42A27DB-BD31-4B8C-83A1-F6EECF244321}">
+                <p14:modId xmlns:p14="http://schemas.microsoft.com/office/powerpoint/2010/main" val="3429147928"/>
+              </p:ext>
+            </p:extLst>
+          </p:nvPr>
+        </p:nvGraphicFramePr>
+        <p:xfrm>
+          <a:off x="16229644" y="11656798"/>
+          <a:ext cx="5288736" cy="2026920"/>
+        </p:xfrm>
+        <a:graphic>
+          <a:graphicData uri="http://schemas.openxmlformats.org/drawingml/2006/table">
+            <a:tbl>
+              <a:tblPr/>
+              <a:tblGrid>
+                <a:gridCol w="728599">
+                  <a:extLst>
+                    <a:ext uri="{9D8B030D-6E8A-4147-A177-3AD203B41FA5}">
+                      <a16:colId xmlns:a16="http://schemas.microsoft.com/office/drawing/2014/main" val="2783686909"/>
+                    </a:ext>
+                  </a:extLst>
+                </a:gridCol>
+                <a:gridCol w="590811">
+                  <a:extLst>
+                    <a:ext uri="{9D8B030D-6E8A-4147-A177-3AD203B41FA5}">
+                      <a16:colId xmlns:a16="http://schemas.microsoft.com/office/drawing/2014/main" val="1474897673"/>
+                    </a:ext>
+                  </a:extLst>
+                </a:gridCol>
+                <a:gridCol w="695460">
+                  <a:extLst>
+                    <a:ext uri="{9D8B030D-6E8A-4147-A177-3AD203B41FA5}">
+                      <a16:colId xmlns:a16="http://schemas.microsoft.com/office/drawing/2014/main" val="20465917"/>
+                    </a:ext>
+                  </a:extLst>
+                </a:gridCol>
+                <a:gridCol w="3273866">
+                  <a:extLst>
+                    <a:ext uri="{9D8B030D-6E8A-4147-A177-3AD203B41FA5}">
+                      <a16:colId xmlns:a16="http://schemas.microsoft.com/office/drawing/2014/main" val="130274467"/>
+                    </a:ext>
+                  </a:extLst>
+                </a:gridCol>
+              </a:tblGrid>
+              <a:tr h="0">
+                <a:tc>
+                  <a:txBody>
+                    <a:bodyPr/>
+                    <a:lstStyle/>
+                    <a:p>
+                      <a:pPr algn="ctr">
+                        <a:buNone/>
+                      </a:pPr>
+                      <a:r>
+                        <a:rPr lang="en-US" sz="1300" dirty="0">
+                          <a:effectLst/>
+                          <a:latin typeface="Fira Sans" panose="020B0503050000020004" pitchFamily="34" charset="0"/>
+                        </a:rPr>
+                        <a:t>Mean</a:t>
+                      </a:r>
+                    </a:p>
+                  </a:txBody>
+                  <a:tcPr anchor="ctr">
+                    <a:lnL w="12700" cap="flat" cmpd="sng" algn="ctr">
+                      <a:solidFill>
+                        <a:schemeClr val="tx1"/>
+                      </a:solidFill>
+                      <a:prstDash val="solid"/>
+                      <a:round/>
+                      <a:headEnd type="none" w="med" len="med"/>
+                      <a:tailEnd type="none" w="med" len="med"/>
+                    </a:lnL>
+                    <a:lnR w="12700" cap="flat" cmpd="sng" algn="ctr">
+                      <a:solidFill>
+                        <a:schemeClr val="tx1"/>
+                      </a:solidFill>
+                      <a:prstDash val="solid"/>
+                      <a:round/>
+                      <a:headEnd type="none" w="med" len="med"/>
+                      <a:tailEnd type="none" w="med" len="med"/>
+                    </a:lnR>
+                    <a:lnT w="12700" cap="flat" cmpd="sng" algn="ctr">
+                      <a:solidFill>
+                        <a:schemeClr val="tx1"/>
+                      </a:solidFill>
+                      <a:prstDash val="solid"/>
+                      <a:round/>
+                      <a:headEnd type="none" w="med" len="med"/>
+                      <a:tailEnd type="none" w="med" len="med"/>
+                    </a:lnT>
+                    <a:lnB w="12700" cap="flat" cmpd="sng" algn="ctr">
+                      <a:solidFill>
+                        <a:schemeClr val="tx1"/>
+                      </a:solidFill>
+                      <a:prstDash val="solid"/>
+                      <a:round/>
+                      <a:headEnd type="none" w="med" len="med"/>
+                      <a:tailEnd type="none" w="med" len="med"/>
+                    </a:lnB>
+                    <a:lnTlToBr w="12700" cmpd="sng">
+                      <a:noFill/>
+                      <a:prstDash val="solid"/>
+                    </a:lnTlToBr>
+                    <a:lnBlToTr w="12700" cmpd="sng">
+                      <a:noFill/>
+                      <a:prstDash val="solid"/>
+                    </a:lnBlToTr>
+                    <a:noFill/>
+                  </a:tcPr>
+                </a:tc>
+                <a:tc>
+                  <a:txBody>
+                    <a:bodyPr/>
+                    <a:lstStyle/>
+                    <a:p>
+                      <a:pPr algn="ctr">
+                        <a:buNone/>
+                      </a:pPr>
+                      <a:r>
+                        <a:rPr lang="en-US" sz="1300" dirty="0">
+                          <a:effectLst/>
+                          <a:latin typeface="Fira Sans" panose="020B0503050000020004" pitchFamily="34" charset="0"/>
+                        </a:rPr>
+                        <a:t>2.5%</a:t>
+                      </a:r>
+                    </a:p>
+                  </a:txBody>
+                  <a:tcPr anchor="ctr">
+                    <a:lnL w="12700" cap="flat" cmpd="sng" algn="ctr">
+                      <a:solidFill>
+                        <a:schemeClr val="tx1"/>
+                      </a:solidFill>
+                      <a:prstDash val="solid"/>
+                      <a:round/>
+                      <a:headEnd type="none" w="med" len="med"/>
+                      <a:tailEnd type="none" w="med" len="med"/>
+                    </a:lnL>
+                    <a:lnR w="12700" cap="flat" cmpd="sng" algn="ctr">
+                      <a:solidFill>
+                        <a:schemeClr val="tx1"/>
+                      </a:solidFill>
+                      <a:prstDash val="solid"/>
+                      <a:round/>
+                      <a:headEnd type="none" w="med" len="med"/>
+                      <a:tailEnd type="none" w="med" len="med"/>
+                    </a:lnR>
+                    <a:lnT w="12700" cap="flat" cmpd="sng" algn="ctr">
+                      <a:solidFill>
+                        <a:schemeClr val="tx1"/>
+                      </a:solidFill>
+                      <a:prstDash val="solid"/>
+                      <a:round/>
+                      <a:headEnd type="none" w="med" len="med"/>
+                      <a:tailEnd type="none" w="med" len="med"/>
+                    </a:lnT>
+                    <a:lnB w="12700" cap="flat" cmpd="sng" algn="ctr">
+                      <a:solidFill>
+                        <a:schemeClr val="tx1"/>
+                      </a:solidFill>
+                      <a:prstDash val="solid"/>
+                      <a:round/>
+                      <a:headEnd type="none" w="med" len="med"/>
+                      <a:tailEnd type="none" w="med" len="med"/>
+                    </a:lnB>
+                    <a:lnTlToBr w="12700" cmpd="sng">
+                      <a:noFill/>
+                      <a:prstDash val="solid"/>
+                    </a:lnTlToBr>
+                    <a:lnBlToTr w="12700" cmpd="sng">
+                      <a:noFill/>
+                      <a:prstDash val="solid"/>
+                    </a:lnBlToTr>
+                    <a:noFill/>
+                  </a:tcPr>
+                </a:tc>
+                <a:tc>
+                  <a:txBody>
+                    <a:bodyPr/>
+                    <a:lstStyle/>
+                    <a:p>
+                      <a:pPr algn="ctr">
+                        <a:buNone/>
+                      </a:pPr>
+                      <a:r>
+                        <a:rPr lang="en-US" sz="1300" dirty="0">
+                          <a:effectLst/>
+                          <a:latin typeface="Fira Sans" panose="020B0503050000020004" pitchFamily="34" charset="0"/>
+                        </a:rPr>
+                        <a:t>97.5%</a:t>
+                      </a:r>
+                    </a:p>
+                  </a:txBody>
+                  <a:tcPr anchor="ctr">
+                    <a:lnL w="12700" cap="flat" cmpd="sng" algn="ctr">
+                      <a:solidFill>
+                        <a:schemeClr val="tx1"/>
+                      </a:solidFill>
+                      <a:prstDash val="solid"/>
+                      <a:round/>
+                      <a:headEnd type="none" w="med" len="med"/>
+                      <a:tailEnd type="none" w="med" len="med"/>
+                    </a:lnL>
+                    <a:lnR w="12700" cap="flat" cmpd="sng" algn="ctr">
+                      <a:solidFill>
+                        <a:schemeClr val="tx1"/>
+                      </a:solidFill>
+                      <a:prstDash val="solid"/>
+                      <a:round/>
+                      <a:headEnd type="none" w="med" len="med"/>
+                      <a:tailEnd type="none" w="med" len="med"/>
+                    </a:lnR>
+                    <a:lnT w="12700" cap="flat" cmpd="sng" algn="ctr">
+                      <a:solidFill>
+                        <a:schemeClr val="tx1"/>
+                      </a:solidFill>
+                      <a:prstDash val="solid"/>
+                      <a:round/>
+                      <a:headEnd type="none" w="med" len="med"/>
+                      <a:tailEnd type="none" w="med" len="med"/>
+                    </a:lnT>
+                    <a:lnB w="12700" cap="flat" cmpd="sng" algn="ctr">
+                      <a:solidFill>
+                        <a:schemeClr val="tx1"/>
+                      </a:solidFill>
+                      <a:prstDash val="solid"/>
+                      <a:round/>
+                      <a:headEnd type="none" w="med" len="med"/>
+                      <a:tailEnd type="none" w="med" len="med"/>
+                    </a:lnB>
+                    <a:lnTlToBr w="12700" cmpd="sng">
+                      <a:noFill/>
+                      <a:prstDash val="solid"/>
+                    </a:lnTlToBr>
+                    <a:lnBlToTr w="12700" cmpd="sng">
+                      <a:noFill/>
+                      <a:prstDash val="solid"/>
+                    </a:lnBlToTr>
+                    <a:noFill/>
+                  </a:tcPr>
+                </a:tc>
+                <a:tc>
+                  <a:txBody>
+                    <a:bodyPr/>
+                    <a:lstStyle/>
+                    <a:p>
+                      <a:pPr algn="ctr">
+                        <a:buNone/>
+                      </a:pPr>
+                      <a:r>
+                        <a:rPr lang="en-US" sz="1300" dirty="0">
+                          <a:effectLst/>
+                          <a:latin typeface="Fira Sans" panose="020B0503050000020004" pitchFamily="34" charset="0"/>
+                        </a:rPr>
+                        <a:t>Region</a:t>
+                      </a:r>
+                    </a:p>
+                  </a:txBody>
+                  <a:tcPr anchor="ctr">
+                    <a:lnL w="12700" cap="flat" cmpd="sng" algn="ctr">
+                      <a:solidFill>
+                        <a:schemeClr val="tx1"/>
+                      </a:solidFill>
+                      <a:prstDash val="solid"/>
+                      <a:round/>
+                      <a:headEnd type="none" w="med" len="med"/>
+                      <a:tailEnd type="none" w="med" len="med"/>
+                    </a:lnL>
+                    <a:lnR w="12700" cap="flat" cmpd="sng" algn="ctr">
+                      <a:solidFill>
+                        <a:schemeClr val="tx1"/>
+                      </a:solidFill>
+                      <a:prstDash val="solid"/>
+                      <a:round/>
+                      <a:headEnd type="none" w="med" len="med"/>
+                      <a:tailEnd type="none" w="med" len="med"/>
+                    </a:lnR>
+                    <a:lnT w="12700" cap="flat" cmpd="sng" algn="ctr">
+                      <a:solidFill>
+                        <a:schemeClr val="tx1"/>
+                      </a:solidFill>
+                      <a:prstDash val="solid"/>
+                      <a:round/>
+                      <a:headEnd type="none" w="med" len="med"/>
+                      <a:tailEnd type="none" w="med" len="med"/>
+                    </a:lnT>
+                    <a:lnB w="12700" cap="flat" cmpd="sng" algn="ctr">
+                      <a:solidFill>
+                        <a:schemeClr val="tx1"/>
+                      </a:solidFill>
+                      <a:prstDash val="solid"/>
+                      <a:round/>
+                      <a:headEnd type="none" w="med" len="med"/>
+                      <a:tailEnd type="none" w="med" len="med"/>
+                    </a:lnB>
+                    <a:lnTlToBr w="12700" cmpd="sng">
+                      <a:noFill/>
+                      <a:prstDash val="solid"/>
+                    </a:lnTlToBr>
+                    <a:lnBlToTr w="12700" cmpd="sng">
+                      <a:noFill/>
+                      <a:prstDash val="solid"/>
+                    </a:lnBlToTr>
+                    <a:noFill/>
+                  </a:tcPr>
+                </a:tc>
+                <a:extLst>
+                  <a:ext uri="{0D108BD9-81ED-4DB2-BD59-A6C34878D82A}">
+                    <a16:rowId xmlns:a16="http://schemas.microsoft.com/office/drawing/2014/main" val="977072208"/>
+                  </a:ext>
+                </a:extLst>
+              </a:tr>
+              <a:tr h="259265">
+                <a:tc>
+                  <a:txBody>
+                    <a:bodyPr/>
+                    <a:lstStyle/>
+                    <a:p>
+                      <a:pPr algn="ctr">
+                        <a:buNone/>
+                      </a:pPr>
+                      <a:r>
+                        <a:rPr lang="en-US" sz="1300" dirty="0">
+                          <a:effectLst/>
+                          <a:latin typeface="Fira Sans" panose="020B0503050000020004" pitchFamily="34" charset="0"/>
+                        </a:rPr>
+                        <a:t>0.39</a:t>
+                      </a:r>
+                    </a:p>
+                  </a:txBody>
+                  <a:tcPr anchor="ctr">
+                    <a:lnL w="12700" cap="flat" cmpd="sng" algn="ctr">
+                      <a:solidFill>
+                        <a:schemeClr val="bg2">
+                          <a:lumMod val="40000"/>
+                          <a:lumOff val="60000"/>
+                        </a:schemeClr>
+                      </a:solidFill>
+                      <a:prstDash val="solid"/>
+                      <a:round/>
+                      <a:headEnd type="none" w="med" len="med"/>
+                      <a:tailEnd type="none" w="med" len="med"/>
+                    </a:lnL>
+                    <a:lnR w="12700" cap="flat" cmpd="sng" algn="ctr">
+                      <a:solidFill>
+                        <a:schemeClr val="bg2">
+                          <a:lumMod val="40000"/>
+                          <a:lumOff val="60000"/>
+                        </a:schemeClr>
+                      </a:solidFill>
+                      <a:prstDash val="solid"/>
+                      <a:round/>
+                      <a:headEnd type="none" w="med" len="med"/>
+                      <a:tailEnd type="none" w="med" len="med"/>
+                    </a:lnR>
+                    <a:lnT w="12700" cap="flat" cmpd="sng" algn="ctr">
+                      <a:solidFill>
+                        <a:schemeClr val="tx1"/>
+                      </a:solidFill>
+                      <a:prstDash val="solid"/>
+                      <a:round/>
+                      <a:headEnd type="none" w="med" len="med"/>
+                      <a:tailEnd type="none" w="med" len="med"/>
+                    </a:lnT>
+                    <a:lnB w="12700" cap="flat" cmpd="sng" algn="ctr">
+                      <a:solidFill>
+                        <a:schemeClr val="bg2">
+                          <a:lumMod val="40000"/>
+                          <a:lumOff val="60000"/>
+                        </a:schemeClr>
+                      </a:solidFill>
+                      <a:prstDash val="solid"/>
+                      <a:round/>
+                      <a:headEnd type="none" w="med" len="med"/>
+                      <a:tailEnd type="none" w="med" len="med"/>
+                    </a:lnB>
+                    <a:lnTlToBr w="12700" cmpd="sng">
+                      <a:noFill/>
+                      <a:prstDash val="solid"/>
+                    </a:lnTlToBr>
+                    <a:lnBlToTr w="12700" cmpd="sng">
+                      <a:noFill/>
+                      <a:prstDash val="solid"/>
+                    </a:lnBlToTr>
+                    <a:noFill/>
+                  </a:tcPr>
+                </a:tc>
+                <a:tc>
+                  <a:txBody>
+                    <a:bodyPr/>
+                    <a:lstStyle/>
+                    <a:p>
+                      <a:pPr algn="ctr">
+                        <a:buNone/>
+                      </a:pPr>
+                      <a:r>
+                        <a:rPr lang="en-US" sz="1300">
+                          <a:effectLst/>
+                          <a:latin typeface="Fira Sans" panose="020B0503050000020004" pitchFamily="34" charset="0"/>
+                        </a:rPr>
+                        <a:t>0.31</a:t>
+                      </a:r>
+                    </a:p>
+                  </a:txBody>
+                  <a:tcPr anchor="ctr">
+                    <a:lnL w="12700" cap="flat" cmpd="sng" algn="ctr">
+                      <a:solidFill>
+                        <a:schemeClr val="bg2">
+                          <a:lumMod val="40000"/>
+                          <a:lumOff val="60000"/>
+                        </a:schemeClr>
+                      </a:solidFill>
+                      <a:prstDash val="solid"/>
+                      <a:round/>
+                      <a:headEnd type="none" w="med" len="med"/>
+                      <a:tailEnd type="none" w="med" len="med"/>
+                    </a:lnL>
+                    <a:lnR w="12700" cap="flat" cmpd="sng" algn="ctr">
+                      <a:solidFill>
+                        <a:schemeClr val="bg2">
+                          <a:lumMod val="40000"/>
+                          <a:lumOff val="60000"/>
+                        </a:schemeClr>
+                      </a:solidFill>
+                      <a:prstDash val="solid"/>
+                      <a:round/>
+                      <a:headEnd type="none" w="med" len="med"/>
+                      <a:tailEnd type="none" w="med" len="med"/>
+                    </a:lnR>
+                    <a:lnT w="12700" cap="flat" cmpd="sng" algn="ctr">
+                      <a:solidFill>
+                        <a:schemeClr val="tx1"/>
+                      </a:solidFill>
+                      <a:prstDash val="solid"/>
+                      <a:round/>
+                      <a:headEnd type="none" w="med" len="med"/>
+                      <a:tailEnd type="none" w="med" len="med"/>
+                    </a:lnT>
+                    <a:lnB w="12700" cap="flat" cmpd="sng" algn="ctr">
+                      <a:solidFill>
+                        <a:schemeClr val="bg2">
+                          <a:lumMod val="40000"/>
+                          <a:lumOff val="60000"/>
+                        </a:schemeClr>
+                      </a:solidFill>
+                      <a:prstDash val="solid"/>
+                      <a:round/>
+                      <a:headEnd type="none" w="med" len="med"/>
+                      <a:tailEnd type="none" w="med" len="med"/>
+                    </a:lnB>
+                    <a:lnTlToBr w="12700" cmpd="sng">
+                      <a:noFill/>
+                      <a:prstDash val="solid"/>
+                    </a:lnTlToBr>
+                    <a:lnBlToTr w="12700" cmpd="sng">
+                      <a:noFill/>
+                      <a:prstDash val="solid"/>
+                    </a:lnBlToTr>
+                    <a:noFill/>
+                  </a:tcPr>
+                </a:tc>
+                <a:tc>
+                  <a:txBody>
+                    <a:bodyPr/>
+                    <a:lstStyle/>
+                    <a:p>
+                      <a:pPr algn="ctr">
+                        <a:buNone/>
+                      </a:pPr>
+                      <a:r>
+                        <a:rPr lang="en-US" sz="1300">
+                          <a:effectLst/>
+                          <a:latin typeface="Fira Sans" panose="020B0503050000020004" pitchFamily="34" charset="0"/>
+                        </a:rPr>
+                        <a:t>0.48</a:t>
+                      </a:r>
+                    </a:p>
+                  </a:txBody>
+                  <a:tcPr anchor="ctr">
+                    <a:lnL w="12700" cap="flat" cmpd="sng" algn="ctr">
+                      <a:solidFill>
+                        <a:schemeClr val="bg2">
+                          <a:lumMod val="40000"/>
+                          <a:lumOff val="60000"/>
+                        </a:schemeClr>
+                      </a:solidFill>
+                      <a:prstDash val="solid"/>
+                      <a:round/>
+                      <a:headEnd type="none" w="med" len="med"/>
+                      <a:tailEnd type="none" w="med" len="med"/>
+                    </a:lnL>
+                    <a:lnR w="12700" cap="flat" cmpd="sng" algn="ctr">
+                      <a:solidFill>
+                        <a:schemeClr val="bg2">
+                          <a:lumMod val="40000"/>
+                          <a:lumOff val="60000"/>
+                        </a:schemeClr>
+                      </a:solidFill>
+                      <a:prstDash val="solid"/>
+                      <a:round/>
+                      <a:headEnd type="none" w="med" len="med"/>
+                      <a:tailEnd type="none" w="med" len="med"/>
+                    </a:lnR>
+                    <a:lnT w="12700" cap="flat" cmpd="sng" algn="ctr">
+                      <a:solidFill>
+                        <a:schemeClr val="tx1"/>
+                      </a:solidFill>
+                      <a:prstDash val="solid"/>
+                      <a:round/>
+                      <a:headEnd type="none" w="med" len="med"/>
+                      <a:tailEnd type="none" w="med" len="med"/>
+                    </a:lnT>
+                    <a:lnB w="12700" cap="flat" cmpd="sng" algn="ctr">
+                      <a:solidFill>
+                        <a:schemeClr val="bg2">
+                          <a:lumMod val="40000"/>
+                          <a:lumOff val="60000"/>
+                        </a:schemeClr>
+                      </a:solidFill>
+                      <a:prstDash val="solid"/>
+                      <a:round/>
+                      <a:headEnd type="none" w="med" len="med"/>
+                      <a:tailEnd type="none" w="med" len="med"/>
+                    </a:lnB>
+                    <a:lnTlToBr w="12700" cmpd="sng">
+                      <a:noFill/>
+                      <a:prstDash val="solid"/>
+                    </a:lnTlToBr>
+                    <a:lnBlToTr w="12700" cmpd="sng">
+                      <a:noFill/>
+                      <a:prstDash val="solid"/>
+                    </a:lnBlToTr>
+                    <a:noFill/>
+                  </a:tcPr>
+                </a:tc>
+                <a:tc>
+                  <a:txBody>
+                    <a:bodyPr/>
+                    <a:lstStyle/>
+                    <a:p>
+                      <a:pPr algn="ctr">
+                        <a:buNone/>
+                      </a:pPr>
+                      <a:r>
+                        <a:rPr lang="en-US" sz="1300" dirty="0">
+                          <a:effectLst/>
+                          <a:latin typeface="Fira Sans" panose="020B0503050000020004" pitchFamily="34" charset="0"/>
+                        </a:rPr>
+                        <a:t>HSE Mid West</a:t>
+                      </a:r>
+                    </a:p>
+                  </a:txBody>
+                  <a:tcPr anchor="ctr">
+                    <a:lnL w="12700" cap="flat" cmpd="sng" algn="ctr">
+                      <a:solidFill>
+                        <a:schemeClr val="bg2">
+                          <a:lumMod val="40000"/>
+                          <a:lumOff val="60000"/>
+                        </a:schemeClr>
+                      </a:solidFill>
+                      <a:prstDash val="solid"/>
+                      <a:round/>
+                      <a:headEnd type="none" w="med" len="med"/>
+                      <a:tailEnd type="none" w="med" len="med"/>
+                    </a:lnL>
+                    <a:lnR w="12700" cap="flat" cmpd="sng" algn="ctr">
+                      <a:solidFill>
+                        <a:schemeClr val="bg2">
+                          <a:lumMod val="40000"/>
+                          <a:lumOff val="60000"/>
+                        </a:schemeClr>
+                      </a:solidFill>
+                      <a:prstDash val="solid"/>
+                      <a:round/>
+                      <a:headEnd type="none" w="med" len="med"/>
+                      <a:tailEnd type="none" w="med" len="med"/>
+                    </a:lnR>
+                    <a:lnT w="12700" cap="flat" cmpd="sng" algn="ctr">
+                      <a:solidFill>
+                        <a:schemeClr val="tx1"/>
+                      </a:solidFill>
+                      <a:prstDash val="solid"/>
+                      <a:round/>
+                      <a:headEnd type="none" w="med" len="med"/>
+                      <a:tailEnd type="none" w="med" len="med"/>
+                    </a:lnT>
+                    <a:lnB w="12700" cap="flat" cmpd="sng" algn="ctr">
+                      <a:solidFill>
+                        <a:schemeClr val="bg2">
+                          <a:lumMod val="40000"/>
+                          <a:lumOff val="60000"/>
+                        </a:schemeClr>
+                      </a:solidFill>
+                      <a:prstDash val="solid"/>
+                      <a:round/>
+                      <a:headEnd type="none" w="med" len="med"/>
+                      <a:tailEnd type="none" w="med" len="med"/>
+                    </a:lnB>
+                    <a:lnTlToBr w="12700" cmpd="sng">
+                      <a:noFill/>
+                      <a:prstDash val="solid"/>
+                    </a:lnTlToBr>
+                    <a:lnBlToTr w="12700" cmpd="sng">
+                      <a:noFill/>
+                      <a:prstDash val="solid"/>
+                    </a:lnBlToTr>
+                    <a:noFill/>
+                  </a:tcPr>
+                </a:tc>
+                <a:extLst>
+                  <a:ext uri="{0D108BD9-81ED-4DB2-BD59-A6C34878D82A}">
+                    <a16:rowId xmlns:a16="http://schemas.microsoft.com/office/drawing/2014/main" val="1296125086"/>
+                  </a:ext>
+                </a:extLst>
+              </a:tr>
+              <a:tr h="288014">
+                <a:tc>
+                  <a:txBody>
+                    <a:bodyPr/>
+                    <a:lstStyle/>
+                    <a:p>
+                      <a:pPr algn="ctr">
+                        <a:buNone/>
+                      </a:pPr>
+                      <a:r>
+                        <a:rPr lang="en-US" sz="1300">
+                          <a:effectLst/>
+                          <a:latin typeface="Fira Sans" panose="020B0503050000020004" pitchFamily="34" charset="0"/>
+                        </a:rPr>
+                        <a:t>0.51</a:t>
+                      </a:r>
+                    </a:p>
+                  </a:txBody>
+                  <a:tcPr anchor="ctr">
+                    <a:lnL w="12700" cap="flat" cmpd="sng" algn="ctr">
+                      <a:solidFill>
+                        <a:schemeClr val="bg2">
+                          <a:lumMod val="40000"/>
+                          <a:lumOff val="60000"/>
+                        </a:schemeClr>
+                      </a:solidFill>
+                      <a:prstDash val="solid"/>
+                      <a:round/>
+                      <a:headEnd type="none" w="med" len="med"/>
+                      <a:tailEnd type="none" w="med" len="med"/>
+                    </a:lnL>
+                    <a:lnR w="12700" cap="flat" cmpd="sng" algn="ctr">
+                      <a:solidFill>
+                        <a:schemeClr val="bg2">
+                          <a:lumMod val="40000"/>
+                          <a:lumOff val="60000"/>
+                        </a:schemeClr>
+                      </a:solidFill>
+                      <a:prstDash val="solid"/>
+                      <a:round/>
+                      <a:headEnd type="none" w="med" len="med"/>
+                      <a:tailEnd type="none" w="med" len="med"/>
+                    </a:lnR>
+                    <a:lnT w="12700" cap="flat" cmpd="sng" algn="ctr">
+                      <a:solidFill>
+                        <a:schemeClr val="bg2">
+                          <a:lumMod val="40000"/>
+                          <a:lumOff val="60000"/>
+                        </a:schemeClr>
+                      </a:solidFill>
+                      <a:prstDash val="solid"/>
+                      <a:round/>
+                      <a:headEnd type="none" w="med" len="med"/>
+                      <a:tailEnd type="none" w="med" len="med"/>
+                    </a:lnT>
+                    <a:lnB w="12700" cap="flat" cmpd="sng" algn="ctr">
+                      <a:solidFill>
+                        <a:schemeClr val="bg2">
+                          <a:lumMod val="40000"/>
+                          <a:lumOff val="60000"/>
+                        </a:schemeClr>
+                      </a:solidFill>
+                      <a:prstDash val="solid"/>
+                      <a:round/>
+                      <a:headEnd type="none" w="med" len="med"/>
+                      <a:tailEnd type="none" w="med" len="med"/>
+                    </a:lnB>
+                    <a:lnTlToBr w="12700" cmpd="sng">
+                      <a:noFill/>
+                      <a:prstDash val="solid"/>
+                    </a:lnTlToBr>
+                    <a:lnBlToTr w="12700" cmpd="sng">
+                      <a:noFill/>
+                      <a:prstDash val="solid"/>
+                    </a:lnBlToTr>
+                    <a:noFill/>
+                  </a:tcPr>
+                </a:tc>
+                <a:tc>
+                  <a:txBody>
+                    <a:bodyPr/>
+                    <a:lstStyle/>
+                    <a:p>
+                      <a:pPr algn="ctr">
+                        <a:buNone/>
+                      </a:pPr>
+                      <a:r>
+                        <a:rPr lang="en-US" sz="1300">
+                          <a:effectLst/>
+                          <a:latin typeface="Fira Sans" panose="020B0503050000020004" pitchFamily="34" charset="0"/>
+                        </a:rPr>
+                        <a:t>0.40</a:t>
+                      </a:r>
+                    </a:p>
+                  </a:txBody>
+                  <a:tcPr anchor="ctr">
+                    <a:lnL w="12700" cap="flat" cmpd="sng" algn="ctr">
+                      <a:solidFill>
+                        <a:schemeClr val="bg2">
+                          <a:lumMod val="40000"/>
+                          <a:lumOff val="60000"/>
+                        </a:schemeClr>
+                      </a:solidFill>
+                      <a:prstDash val="solid"/>
+                      <a:round/>
+                      <a:headEnd type="none" w="med" len="med"/>
+                      <a:tailEnd type="none" w="med" len="med"/>
+                    </a:lnL>
+                    <a:lnR w="12700" cap="flat" cmpd="sng" algn="ctr">
+                      <a:solidFill>
+                        <a:schemeClr val="bg2">
+                          <a:lumMod val="40000"/>
+                          <a:lumOff val="60000"/>
+                        </a:schemeClr>
+                      </a:solidFill>
+                      <a:prstDash val="solid"/>
+                      <a:round/>
+                      <a:headEnd type="none" w="med" len="med"/>
+                      <a:tailEnd type="none" w="med" len="med"/>
+                    </a:lnR>
+                    <a:lnT w="12700" cap="flat" cmpd="sng" algn="ctr">
+                      <a:solidFill>
+                        <a:schemeClr val="bg2">
+                          <a:lumMod val="40000"/>
+                          <a:lumOff val="60000"/>
+                        </a:schemeClr>
+                      </a:solidFill>
+                      <a:prstDash val="solid"/>
+                      <a:round/>
+                      <a:headEnd type="none" w="med" len="med"/>
+                      <a:tailEnd type="none" w="med" len="med"/>
+                    </a:lnT>
+                    <a:lnB w="12700" cap="flat" cmpd="sng" algn="ctr">
+                      <a:solidFill>
+                        <a:schemeClr val="bg2">
+                          <a:lumMod val="40000"/>
+                          <a:lumOff val="60000"/>
+                        </a:schemeClr>
+                      </a:solidFill>
+                      <a:prstDash val="solid"/>
+                      <a:round/>
+                      <a:headEnd type="none" w="med" len="med"/>
+                      <a:tailEnd type="none" w="med" len="med"/>
+                    </a:lnB>
+                    <a:lnTlToBr w="12700" cmpd="sng">
+                      <a:noFill/>
+                      <a:prstDash val="solid"/>
+                    </a:lnTlToBr>
+                    <a:lnBlToTr w="12700" cmpd="sng">
+                      <a:noFill/>
+                      <a:prstDash val="solid"/>
+                    </a:lnBlToTr>
+                    <a:noFill/>
+                  </a:tcPr>
+                </a:tc>
+                <a:tc>
+                  <a:txBody>
+                    <a:bodyPr/>
+                    <a:lstStyle/>
+                    <a:p>
+                      <a:pPr algn="ctr">
+                        <a:buNone/>
+                      </a:pPr>
+                      <a:r>
+                        <a:rPr lang="en-US" sz="1300">
+                          <a:effectLst/>
+                          <a:latin typeface="Fira Sans" panose="020B0503050000020004" pitchFamily="34" charset="0"/>
+                        </a:rPr>
+                        <a:t>0.63</a:t>
+                      </a:r>
+                    </a:p>
+                  </a:txBody>
+                  <a:tcPr anchor="ctr">
+                    <a:lnL w="12700" cap="flat" cmpd="sng" algn="ctr">
+                      <a:solidFill>
+                        <a:schemeClr val="bg2">
+                          <a:lumMod val="40000"/>
+                          <a:lumOff val="60000"/>
+                        </a:schemeClr>
+                      </a:solidFill>
+                      <a:prstDash val="solid"/>
+                      <a:round/>
+                      <a:headEnd type="none" w="med" len="med"/>
+                      <a:tailEnd type="none" w="med" len="med"/>
+                    </a:lnL>
+                    <a:lnR w="12700" cap="flat" cmpd="sng" algn="ctr">
+                      <a:solidFill>
+                        <a:schemeClr val="bg2">
+                          <a:lumMod val="40000"/>
+                          <a:lumOff val="60000"/>
+                        </a:schemeClr>
+                      </a:solidFill>
+                      <a:prstDash val="solid"/>
+                      <a:round/>
+                      <a:headEnd type="none" w="med" len="med"/>
+                      <a:tailEnd type="none" w="med" len="med"/>
+                    </a:lnR>
+                    <a:lnT w="12700" cap="flat" cmpd="sng" algn="ctr">
+                      <a:solidFill>
+                        <a:schemeClr val="bg2">
+                          <a:lumMod val="40000"/>
+                          <a:lumOff val="60000"/>
+                        </a:schemeClr>
+                      </a:solidFill>
+                      <a:prstDash val="solid"/>
+                      <a:round/>
+                      <a:headEnd type="none" w="med" len="med"/>
+                      <a:tailEnd type="none" w="med" len="med"/>
+                    </a:lnT>
+                    <a:lnB w="12700" cap="flat" cmpd="sng" algn="ctr">
+                      <a:solidFill>
+                        <a:schemeClr val="bg2">
+                          <a:lumMod val="40000"/>
+                          <a:lumOff val="60000"/>
+                        </a:schemeClr>
+                      </a:solidFill>
+                      <a:prstDash val="solid"/>
+                      <a:round/>
+                      <a:headEnd type="none" w="med" len="med"/>
+                      <a:tailEnd type="none" w="med" len="med"/>
+                    </a:lnB>
+                    <a:lnTlToBr w="12700" cmpd="sng">
+                      <a:noFill/>
+                      <a:prstDash val="solid"/>
+                    </a:lnTlToBr>
+                    <a:lnBlToTr w="12700" cmpd="sng">
+                      <a:noFill/>
+                      <a:prstDash val="solid"/>
+                    </a:lnBlToTr>
+                    <a:noFill/>
+                  </a:tcPr>
+                </a:tc>
+                <a:tc>
+                  <a:txBody>
+                    <a:bodyPr/>
+                    <a:lstStyle/>
+                    <a:p>
+                      <a:pPr algn="ctr">
+                        <a:buNone/>
+                      </a:pPr>
+                      <a:r>
+                        <a:rPr lang="en-US" sz="1300" dirty="0">
+                          <a:effectLst/>
+                          <a:latin typeface="Fira Sans" panose="020B0503050000020004" pitchFamily="34" charset="0"/>
+                        </a:rPr>
+                        <a:t>HSE West and North West</a:t>
+                      </a:r>
+                    </a:p>
+                  </a:txBody>
+                  <a:tcPr anchor="ctr">
+                    <a:lnL w="12700" cap="flat" cmpd="sng" algn="ctr">
+                      <a:solidFill>
+                        <a:schemeClr val="bg2">
+                          <a:lumMod val="40000"/>
+                          <a:lumOff val="60000"/>
+                        </a:schemeClr>
+                      </a:solidFill>
+                      <a:prstDash val="solid"/>
+                      <a:round/>
+                      <a:headEnd type="none" w="med" len="med"/>
+                      <a:tailEnd type="none" w="med" len="med"/>
+                    </a:lnL>
+                    <a:lnR w="12700" cap="flat" cmpd="sng" algn="ctr">
+                      <a:solidFill>
+                        <a:schemeClr val="bg2">
+                          <a:lumMod val="40000"/>
+                          <a:lumOff val="60000"/>
+                        </a:schemeClr>
+                      </a:solidFill>
+                      <a:prstDash val="solid"/>
+                      <a:round/>
+                      <a:headEnd type="none" w="med" len="med"/>
+                      <a:tailEnd type="none" w="med" len="med"/>
+                    </a:lnR>
+                    <a:lnT w="12700" cap="flat" cmpd="sng" algn="ctr">
+                      <a:solidFill>
+                        <a:schemeClr val="bg2">
+                          <a:lumMod val="40000"/>
+                          <a:lumOff val="60000"/>
+                        </a:schemeClr>
+                      </a:solidFill>
+                      <a:prstDash val="solid"/>
+                      <a:round/>
+                      <a:headEnd type="none" w="med" len="med"/>
+                      <a:tailEnd type="none" w="med" len="med"/>
+                    </a:lnT>
+                    <a:lnB w="12700" cap="flat" cmpd="sng" algn="ctr">
+                      <a:solidFill>
+                        <a:schemeClr val="bg2">
+                          <a:lumMod val="40000"/>
+                          <a:lumOff val="60000"/>
+                        </a:schemeClr>
+                      </a:solidFill>
+                      <a:prstDash val="solid"/>
+                      <a:round/>
+                      <a:headEnd type="none" w="med" len="med"/>
+                      <a:tailEnd type="none" w="med" len="med"/>
+                    </a:lnB>
+                    <a:lnTlToBr w="12700" cmpd="sng">
+                      <a:noFill/>
+                      <a:prstDash val="solid"/>
+                    </a:lnTlToBr>
+                    <a:lnBlToTr w="12700" cmpd="sng">
+                      <a:noFill/>
+                      <a:prstDash val="solid"/>
+                    </a:lnBlToTr>
+                    <a:noFill/>
+                  </a:tcPr>
+                </a:tc>
+                <a:extLst>
+                  <a:ext uri="{0D108BD9-81ED-4DB2-BD59-A6C34878D82A}">
+                    <a16:rowId xmlns:a16="http://schemas.microsoft.com/office/drawing/2014/main" val="3291572506"/>
+                  </a:ext>
+                </a:extLst>
+              </a:tr>
+              <a:tr h="288014">
+                <a:tc>
+                  <a:txBody>
+                    <a:bodyPr/>
+                    <a:lstStyle/>
+                    <a:p>
+                      <a:pPr algn="ctr">
+                        <a:buNone/>
+                      </a:pPr>
+                      <a:r>
+                        <a:rPr lang="en-US" sz="1300" dirty="0">
+                          <a:effectLst/>
+                          <a:latin typeface="Fira Sans" panose="020B0503050000020004" pitchFamily="34" charset="0"/>
+                        </a:rPr>
+                        <a:t>0.70</a:t>
+                      </a:r>
+                    </a:p>
+                  </a:txBody>
+                  <a:tcPr anchor="ctr">
+                    <a:lnL w="12700" cap="flat" cmpd="sng" algn="ctr">
+                      <a:solidFill>
+                        <a:schemeClr val="bg2">
+                          <a:lumMod val="40000"/>
+                          <a:lumOff val="60000"/>
+                        </a:schemeClr>
+                      </a:solidFill>
+                      <a:prstDash val="solid"/>
+                      <a:round/>
+                      <a:headEnd type="none" w="med" len="med"/>
+                      <a:tailEnd type="none" w="med" len="med"/>
+                    </a:lnL>
+                    <a:lnR w="12700" cap="flat" cmpd="sng" algn="ctr">
+                      <a:solidFill>
+                        <a:schemeClr val="bg2">
+                          <a:lumMod val="40000"/>
+                          <a:lumOff val="60000"/>
+                        </a:schemeClr>
+                      </a:solidFill>
+                      <a:prstDash val="solid"/>
+                      <a:round/>
+                      <a:headEnd type="none" w="med" len="med"/>
+                      <a:tailEnd type="none" w="med" len="med"/>
+                    </a:lnR>
+                    <a:lnT w="12700" cap="flat" cmpd="sng" algn="ctr">
+                      <a:solidFill>
+                        <a:schemeClr val="bg2">
+                          <a:lumMod val="40000"/>
+                          <a:lumOff val="60000"/>
+                        </a:schemeClr>
+                      </a:solidFill>
+                      <a:prstDash val="solid"/>
+                      <a:round/>
+                      <a:headEnd type="none" w="med" len="med"/>
+                      <a:tailEnd type="none" w="med" len="med"/>
+                    </a:lnT>
+                    <a:lnB w="12700" cap="flat" cmpd="sng" algn="ctr">
+                      <a:solidFill>
+                        <a:schemeClr val="tx1"/>
+                      </a:solidFill>
+                      <a:prstDash val="solid"/>
+                      <a:round/>
+                      <a:headEnd type="none" w="med" len="med"/>
+                      <a:tailEnd type="none" w="med" len="med"/>
+                    </a:lnB>
+                    <a:lnTlToBr w="12700" cmpd="sng">
+                      <a:noFill/>
+                      <a:prstDash val="solid"/>
+                    </a:lnTlToBr>
+                    <a:lnBlToTr w="12700" cmpd="sng">
+                      <a:noFill/>
+                      <a:prstDash val="solid"/>
+                    </a:lnBlToTr>
+                    <a:noFill/>
+                  </a:tcPr>
+                </a:tc>
+                <a:tc>
+                  <a:txBody>
+                    <a:bodyPr/>
+                    <a:lstStyle/>
+                    <a:p>
+                      <a:pPr algn="ctr">
+                        <a:buNone/>
+                      </a:pPr>
+                      <a:r>
+                        <a:rPr lang="en-US" sz="1300" dirty="0">
+                          <a:effectLst/>
+                          <a:latin typeface="Fira Sans" panose="020B0503050000020004" pitchFamily="34" charset="0"/>
+                        </a:rPr>
+                        <a:t>0.55</a:t>
+                      </a:r>
+                    </a:p>
+                  </a:txBody>
+                  <a:tcPr anchor="ctr">
+                    <a:lnL w="12700" cap="flat" cmpd="sng" algn="ctr">
+                      <a:solidFill>
+                        <a:schemeClr val="bg2">
+                          <a:lumMod val="40000"/>
+                          <a:lumOff val="60000"/>
+                        </a:schemeClr>
+                      </a:solidFill>
+                      <a:prstDash val="solid"/>
+                      <a:round/>
+                      <a:headEnd type="none" w="med" len="med"/>
+                      <a:tailEnd type="none" w="med" len="med"/>
+                    </a:lnL>
+                    <a:lnR w="12700" cap="flat" cmpd="sng" algn="ctr">
+                      <a:solidFill>
+                        <a:schemeClr val="bg2">
+                          <a:lumMod val="40000"/>
+                          <a:lumOff val="60000"/>
+                        </a:schemeClr>
+                      </a:solidFill>
+                      <a:prstDash val="solid"/>
+                      <a:round/>
+                      <a:headEnd type="none" w="med" len="med"/>
+                      <a:tailEnd type="none" w="med" len="med"/>
+                    </a:lnR>
+                    <a:lnT w="12700" cap="flat" cmpd="sng" algn="ctr">
+                      <a:solidFill>
+                        <a:schemeClr val="bg2">
+                          <a:lumMod val="40000"/>
+                          <a:lumOff val="60000"/>
+                        </a:schemeClr>
+                      </a:solidFill>
+                      <a:prstDash val="solid"/>
+                      <a:round/>
+                      <a:headEnd type="none" w="med" len="med"/>
+                      <a:tailEnd type="none" w="med" len="med"/>
+                    </a:lnT>
+                    <a:lnB w="12700" cap="flat" cmpd="sng" algn="ctr">
+                      <a:solidFill>
+                        <a:schemeClr val="tx1"/>
+                      </a:solidFill>
+                      <a:prstDash val="solid"/>
+                      <a:round/>
+                      <a:headEnd type="none" w="med" len="med"/>
+                      <a:tailEnd type="none" w="med" len="med"/>
+                    </a:lnB>
+                    <a:lnTlToBr w="12700" cmpd="sng">
+                      <a:noFill/>
+                      <a:prstDash val="solid"/>
+                    </a:lnTlToBr>
+                    <a:lnBlToTr w="12700" cmpd="sng">
+                      <a:noFill/>
+                      <a:prstDash val="solid"/>
+                    </a:lnBlToTr>
+                    <a:noFill/>
+                  </a:tcPr>
+                </a:tc>
+                <a:tc>
+                  <a:txBody>
+                    <a:bodyPr/>
+                    <a:lstStyle/>
+                    <a:p>
+                      <a:pPr algn="ctr">
+                        <a:buNone/>
+                      </a:pPr>
+                      <a:r>
+                        <a:rPr lang="en-US" sz="1300" dirty="0">
+                          <a:effectLst/>
+                          <a:latin typeface="Fira Sans" panose="020B0503050000020004" pitchFamily="34" charset="0"/>
+                        </a:rPr>
+                        <a:t>0.87</a:t>
+                      </a:r>
+                    </a:p>
+                  </a:txBody>
+                  <a:tcPr anchor="ctr">
+                    <a:lnL w="12700" cap="flat" cmpd="sng" algn="ctr">
+                      <a:solidFill>
+                        <a:schemeClr val="bg2">
+                          <a:lumMod val="40000"/>
+                          <a:lumOff val="60000"/>
+                        </a:schemeClr>
+                      </a:solidFill>
+                      <a:prstDash val="solid"/>
+                      <a:round/>
+                      <a:headEnd type="none" w="med" len="med"/>
+                      <a:tailEnd type="none" w="med" len="med"/>
+                    </a:lnL>
+                    <a:lnR w="12700" cap="flat" cmpd="sng" algn="ctr">
+                      <a:solidFill>
+                        <a:schemeClr val="bg2">
+                          <a:lumMod val="40000"/>
+                          <a:lumOff val="60000"/>
+                        </a:schemeClr>
+                      </a:solidFill>
+                      <a:prstDash val="solid"/>
+                      <a:round/>
+                      <a:headEnd type="none" w="med" len="med"/>
+                      <a:tailEnd type="none" w="med" len="med"/>
+                    </a:lnR>
+                    <a:lnT w="12700" cap="flat" cmpd="sng" algn="ctr">
+                      <a:solidFill>
+                        <a:schemeClr val="bg2">
+                          <a:lumMod val="40000"/>
+                          <a:lumOff val="60000"/>
+                        </a:schemeClr>
+                      </a:solidFill>
+                      <a:prstDash val="solid"/>
+                      <a:round/>
+                      <a:headEnd type="none" w="med" len="med"/>
+                      <a:tailEnd type="none" w="med" len="med"/>
+                    </a:lnT>
+                    <a:lnB w="12700" cap="flat" cmpd="sng" algn="ctr">
+                      <a:solidFill>
+                        <a:schemeClr val="tx1"/>
+                      </a:solidFill>
+                      <a:prstDash val="solid"/>
+                      <a:round/>
+                      <a:headEnd type="none" w="med" len="med"/>
+                      <a:tailEnd type="none" w="med" len="med"/>
+                    </a:lnB>
+                    <a:lnTlToBr w="12700" cmpd="sng">
+                      <a:noFill/>
+                      <a:prstDash val="solid"/>
+                    </a:lnTlToBr>
+                    <a:lnBlToTr w="12700" cmpd="sng">
+                      <a:noFill/>
+                      <a:prstDash val="solid"/>
+                    </a:lnBlToTr>
+                    <a:noFill/>
+                  </a:tcPr>
+                </a:tc>
+                <a:tc>
+                  <a:txBody>
+                    <a:bodyPr/>
+                    <a:lstStyle/>
+                    <a:p>
+                      <a:pPr algn="ctr">
+                        <a:buNone/>
+                      </a:pPr>
+                      <a:r>
+                        <a:rPr lang="en-US" sz="1300" dirty="0">
+                          <a:effectLst/>
+                          <a:latin typeface="Fira Sans" panose="020B0503050000020004" pitchFamily="34" charset="0"/>
+                        </a:rPr>
+                        <a:t>HSE South West</a:t>
+                      </a:r>
+                    </a:p>
+                  </a:txBody>
+                  <a:tcPr anchor="ctr">
+                    <a:lnL w="12700" cap="flat" cmpd="sng" algn="ctr">
+                      <a:solidFill>
+                        <a:schemeClr val="bg2">
+                          <a:lumMod val="40000"/>
+                          <a:lumOff val="60000"/>
+                        </a:schemeClr>
+                      </a:solidFill>
+                      <a:prstDash val="solid"/>
+                      <a:round/>
+                      <a:headEnd type="none" w="med" len="med"/>
+                      <a:tailEnd type="none" w="med" len="med"/>
+                    </a:lnL>
+                    <a:lnR w="12700" cap="flat" cmpd="sng" algn="ctr">
+                      <a:solidFill>
+                        <a:schemeClr val="bg2">
+                          <a:lumMod val="40000"/>
+                          <a:lumOff val="60000"/>
+                        </a:schemeClr>
+                      </a:solidFill>
+                      <a:prstDash val="solid"/>
+                      <a:round/>
+                      <a:headEnd type="none" w="med" len="med"/>
+                      <a:tailEnd type="none" w="med" len="med"/>
+                    </a:lnR>
+                    <a:lnT w="12700" cap="flat" cmpd="sng" algn="ctr">
+                      <a:solidFill>
+                        <a:schemeClr val="bg2">
+                          <a:lumMod val="40000"/>
+                          <a:lumOff val="60000"/>
+                        </a:schemeClr>
+                      </a:solidFill>
+                      <a:prstDash val="solid"/>
+                      <a:round/>
+                      <a:headEnd type="none" w="med" len="med"/>
+                      <a:tailEnd type="none" w="med" len="med"/>
+                    </a:lnT>
+                    <a:lnB w="12700" cap="flat" cmpd="sng" algn="ctr">
+                      <a:solidFill>
+                        <a:schemeClr val="tx1"/>
+                      </a:solidFill>
+                      <a:prstDash val="solid"/>
+                      <a:round/>
+                      <a:headEnd type="none" w="med" len="med"/>
+                      <a:tailEnd type="none" w="med" len="med"/>
+                    </a:lnB>
+                    <a:lnTlToBr w="12700" cmpd="sng">
+                      <a:noFill/>
+                      <a:prstDash val="solid"/>
+                    </a:lnTlToBr>
+                    <a:lnBlToTr w="12700" cmpd="sng">
+                      <a:noFill/>
+                      <a:prstDash val="solid"/>
+                    </a:lnBlToTr>
+                    <a:noFill/>
+                  </a:tcPr>
+                </a:tc>
+                <a:extLst>
+                  <a:ext uri="{0D108BD9-81ED-4DB2-BD59-A6C34878D82A}">
+                    <a16:rowId xmlns:a16="http://schemas.microsoft.com/office/drawing/2014/main" val="1116715039"/>
+                  </a:ext>
+                </a:extLst>
+              </a:tr>
+              <a:tr h="288014">
+                <a:tc>
+                  <a:txBody>
+                    <a:bodyPr/>
+                    <a:lstStyle/>
+                    <a:p>
+                      <a:pPr algn="ctr">
+                        <a:buNone/>
+                      </a:pPr>
+                      <a:r>
+                        <a:rPr lang="en-US" sz="1300">
+                          <a:effectLst/>
+                          <a:latin typeface="Fira Sans" panose="020B0503050000020004" pitchFamily="34" charset="0"/>
+                        </a:rPr>
+                        <a:t>1.01</a:t>
+                      </a:r>
+                    </a:p>
+                  </a:txBody>
+                  <a:tcPr anchor="ctr">
+                    <a:lnL w="12700" cap="flat" cmpd="sng" algn="ctr">
+                      <a:solidFill>
+                        <a:schemeClr val="bg2">
+                          <a:lumMod val="40000"/>
+                          <a:lumOff val="60000"/>
+                        </a:schemeClr>
+                      </a:solidFill>
+                      <a:prstDash val="solid"/>
+                      <a:round/>
+                      <a:headEnd type="none" w="med" len="med"/>
+                      <a:tailEnd type="none" w="med" len="med"/>
+                    </a:lnL>
+                    <a:lnR w="12700" cap="flat" cmpd="sng" algn="ctr">
+                      <a:solidFill>
+                        <a:schemeClr val="bg2">
+                          <a:lumMod val="40000"/>
+                          <a:lumOff val="60000"/>
+                        </a:schemeClr>
+                      </a:solidFill>
+                      <a:prstDash val="solid"/>
+                      <a:round/>
+                      <a:headEnd type="none" w="med" len="med"/>
+                      <a:tailEnd type="none" w="med" len="med"/>
+                    </a:lnR>
+                    <a:lnT w="12700" cap="flat" cmpd="sng" algn="ctr">
+                      <a:solidFill>
+                        <a:schemeClr val="tx1"/>
+                      </a:solidFill>
+                      <a:prstDash val="solid"/>
+                      <a:round/>
+                      <a:headEnd type="none" w="med" len="med"/>
+                      <a:tailEnd type="none" w="med" len="med"/>
+                    </a:lnT>
+                    <a:lnB w="12700" cap="flat" cmpd="sng" algn="ctr">
+                      <a:solidFill>
+                        <a:schemeClr val="bg2">
+                          <a:lumMod val="40000"/>
+                          <a:lumOff val="60000"/>
+                        </a:schemeClr>
+                      </a:solidFill>
+                      <a:prstDash val="solid"/>
+                      <a:round/>
+                      <a:headEnd type="none" w="med" len="med"/>
+                      <a:tailEnd type="none" w="med" len="med"/>
+                    </a:lnB>
+                    <a:lnTlToBr w="12700" cmpd="sng">
+                      <a:noFill/>
+                      <a:prstDash val="solid"/>
+                    </a:lnTlToBr>
+                    <a:lnBlToTr w="12700" cmpd="sng">
+                      <a:noFill/>
+                      <a:prstDash val="solid"/>
+                    </a:lnBlToTr>
+                    <a:noFill/>
+                  </a:tcPr>
+                </a:tc>
+                <a:tc>
+                  <a:txBody>
+                    <a:bodyPr/>
+                    <a:lstStyle/>
+                    <a:p>
+                      <a:pPr algn="ctr">
+                        <a:buNone/>
+                      </a:pPr>
+                      <a:r>
+                        <a:rPr lang="en-US" sz="1300">
+                          <a:effectLst/>
+                          <a:latin typeface="Fira Sans" panose="020B0503050000020004" pitchFamily="34" charset="0"/>
+                        </a:rPr>
+                        <a:t>0.79</a:t>
+                      </a:r>
+                    </a:p>
+                  </a:txBody>
+                  <a:tcPr anchor="ctr">
+                    <a:lnL w="12700" cap="flat" cmpd="sng" algn="ctr">
+                      <a:solidFill>
+                        <a:schemeClr val="bg2">
+                          <a:lumMod val="40000"/>
+                          <a:lumOff val="60000"/>
+                        </a:schemeClr>
+                      </a:solidFill>
+                      <a:prstDash val="solid"/>
+                      <a:round/>
+                      <a:headEnd type="none" w="med" len="med"/>
+                      <a:tailEnd type="none" w="med" len="med"/>
+                    </a:lnL>
+                    <a:lnR w="12700" cap="flat" cmpd="sng" algn="ctr">
+                      <a:solidFill>
+                        <a:schemeClr val="bg2">
+                          <a:lumMod val="40000"/>
+                          <a:lumOff val="60000"/>
+                        </a:schemeClr>
+                      </a:solidFill>
+                      <a:prstDash val="solid"/>
+                      <a:round/>
+                      <a:headEnd type="none" w="med" len="med"/>
+                      <a:tailEnd type="none" w="med" len="med"/>
+                    </a:lnR>
+                    <a:lnT w="12700" cap="flat" cmpd="sng" algn="ctr">
+                      <a:solidFill>
+                        <a:schemeClr val="tx1"/>
+                      </a:solidFill>
+                      <a:prstDash val="solid"/>
+                      <a:round/>
+                      <a:headEnd type="none" w="med" len="med"/>
+                      <a:tailEnd type="none" w="med" len="med"/>
+                    </a:lnT>
+                    <a:lnB w="12700" cap="flat" cmpd="sng" algn="ctr">
+                      <a:solidFill>
+                        <a:schemeClr val="bg2">
+                          <a:lumMod val="40000"/>
+                          <a:lumOff val="60000"/>
+                        </a:schemeClr>
+                      </a:solidFill>
+                      <a:prstDash val="solid"/>
+                      <a:round/>
+                      <a:headEnd type="none" w="med" len="med"/>
+                      <a:tailEnd type="none" w="med" len="med"/>
+                    </a:lnB>
+                    <a:lnTlToBr w="12700" cmpd="sng">
+                      <a:noFill/>
+                      <a:prstDash val="solid"/>
+                    </a:lnTlToBr>
+                    <a:lnBlToTr w="12700" cmpd="sng">
+                      <a:noFill/>
+                      <a:prstDash val="solid"/>
+                    </a:lnBlToTr>
+                    <a:noFill/>
+                  </a:tcPr>
+                </a:tc>
+                <a:tc>
+                  <a:txBody>
+                    <a:bodyPr/>
+                    <a:lstStyle/>
+                    <a:p>
+                      <a:pPr algn="ctr">
+                        <a:buNone/>
+                      </a:pPr>
+                      <a:r>
+                        <a:rPr lang="en-US" sz="1300" dirty="0">
+                          <a:effectLst/>
+                          <a:latin typeface="Fira Sans" panose="020B0503050000020004" pitchFamily="34" charset="0"/>
+                        </a:rPr>
+                        <a:t>1.26</a:t>
+                      </a:r>
+                    </a:p>
+                  </a:txBody>
+                  <a:tcPr anchor="ctr">
+                    <a:lnL w="12700" cap="flat" cmpd="sng" algn="ctr">
+                      <a:solidFill>
+                        <a:schemeClr val="bg2">
+                          <a:lumMod val="40000"/>
+                          <a:lumOff val="60000"/>
+                        </a:schemeClr>
+                      </a:solidFill>
+                      <a:prstDash val="solid"/>
+                      <a:round/>
+                      <a:headEnd type="none" w="med" len="med"/>
+                      <a:tailEnd type="none" w="med" len="med"/>
+                    </a:lnL>
+                    <a:lnR w="12700" cap="flat" cmpd="sng" algn="ctr">
+                      <a:solidFill>
+                        <a:schemeClr val="bg2">
+                          <a:lumMod val="40000"/>
+                          <a:lumOff val="60000"/>
+                        </a:schemeClr>
+                      </a:solidFill>
+                      <a:prstDash val="solid"/>
+                      <a:round/>
+                      <a:headEnd type="none" w="med" len="med"/>
+                      <a:tailEnd type="none" w="med" len="med"/>
+                    </a:lnR>
+                    <a:lnT w="12700" cap="flat" cmpd="sng" algn="ctr">
+                      <a:solidFill>
+                        <a:schemeClr val="tx1"/>
+                      </a:solidFill>
+                      <a:prstDash val="solid"/>
+                      <a:round/>
+                      <a:headEnd type="none" w="med" len="med"/>
+                      <a:tailEnd type="none" w="med" len="med"/>
+                    </a:lnT>
+                    <a:lnB w="12700" cap="flat" cmpd="sng" algn="ctr">
+                      <a:solidFill>
+                        <a:schemeClr val="bg2">
+                          <a:lumMod val="40000"/>
+                          <a:lumOff val="60000"/>
+                        </a:schemeClr>
+                      </a:solidFill>
+                      <a:prstDash val="solid"/>
+                      <a:round/>
+                      <a:headEnd type="none" w="med" len="med"/>
+                      <a:tailEnd type="none" w="med" len="med"/>
+                    </a:lnB>
+                    <a:lnTlToBr w="12700" cmpd="sng">
+                      <a:noFill/>
+                      <a:prstDash val="solid"/>
+                    </a:lnTlToBr>
+                    <a:lnBlToTr w="12700" cmpd="sng">
+                      <a:noFill/>
+                      <a:prstDash val="solid"/>
+                    </a:lnBlToTr>
+                    <a:noFill/>
+                  </a:tcPr>
+                </a:tc>
+                <a:tc>
+                  <a:txBody>
+                    <a:bodyPr/>
+                    <a:lstStyle/>
+                    <a:p>
+                      <a:pPr algn="ctr">
+                        <a:buNone/>
+                      </a:pPr>
+                      <a:r>
+                        <a:rPr lang="en-US" sz="1300" dirty="0">
+                          <a:effectLst/>
+                          <a:latin typeface="Fira Sans" panose="020B0503050000020004" pitchFamily="34" charset="0"/>
+                        </a:rPr>
+                        <a:t>HSE Dublin and Midlands</a:t>
+                      </a:r>
+                    </a:p>
+                  </a:txBody>
+                  <a:tcPr anchor="ctr">
+                    <a:lnL w="12700" cap="flat" cmpd="sng" algn="ctr">
+                      <a:solidFill>
+                        <a:schemeClr val="bg2">
+                          <a:lumMod val="40000"/>
+                          <a:lumOff val="60000"/>
+                        </a:schemeClr>
+                      </a:solidFill>
+                      <a:prstDash val="solid"/>
+                      <a:round/>
+                      <a:headEnd type="none" w="med" len="med"/>
+                      <a:tailEnd type="none" w="med" len="med"/>
+                    </a:lnL>
+                    <a:lnR w="12700" cap="flat" cmpd="sng" algn="ctr">
+                      <a:solidFill>
+                        <a:schemeClr val="bg2">
+                          <a:lumMod val="40000"/>
+                          <a:lumOff val="60000"/>
+                        </a:schemeClr>
+                      </a:solidFill>
+                      <a:prstDash val="solid"/>
+                      <a:round/>
+                      <a:headEnd type="none" w="med" len="med"/>
+                      <a:tailEnd type="none" w="med" len="med"/>
+                    </a:lnR>
+                    <a:lnT w="12700" cap="flat" cmpd="sng" algn="ctr">
+                      <a:solidFill>
+                        <a:schemeClr val="tx1"/>
+                      </a:solidFill>
+                      <a:prstDash val="solid"/>
+                      <a:round/>
+                      <a:headEnd type="none" w="med" len="med"/>
+                      <a:tailEnd type="none" w="med" len="med"/>
+                    </a:lnT>
+                    <a:lnB w="12700" cap="flat" cmpd="sng" algn="ctr">
+                      <a:solidFill>
+                        <a:schemeClr val="bg2">
+                          <a:lumMod val="40000"/>
+                          <a:lumOff val="60000"/>
+                        </a:schemeClr>
+                      </a:solidFill>
+                      <a:prstDash val="solid"/>
+                      <a:round/>
+                      <a:headEnd type="none" w="med" len="med"/>
+                      <a:tailEnd type="none" w="med" len="med"/>
+                    </a:lnB>
+                    <a:lnTlToBr w="12700" cmpd="sng">
+                      <a:noFill/>
+                      <a:prstDash val="solid"/>
+                    </a:lnTlToBr>
+                    <a:lnBlToTr w="12700" cmpd="sng">
+                      <a:noFill/>
+                      <a:prstDash val="solid"/>
+                    </a:lnBlToTr>
+                    <a:noFill/>
+                  </a:tcPr>
+                </a:tc>
+                <a:extLst>
+                  <a:ext uri="{0D108BD9-81ED-4DB2-BD59-A6C34878D82A}">
+                    <a16:rowId xmlns:a16="http://schemas.microsoft.com/office/drawing/2014/main" val="3003515535"/>
+                  </a:ext>
+                </a:extLst>
+              </a:tr>
+              <a:tr h="288014">
+                <a:tc>
+                  <a:txBody>
+                    <a:bodyPr/>
+                    <a:lstStyle/>
+                    <a:p>
+                      <a:pPr algn="ctr">
+                        <a:buNone/>
+                      </a:pPr>
+                      <a:r>
+                        <a:rPr lang="en-US" sz="1300">
+                          <a:effectLst/>
+                          <a:latin typeface="Fira Sans" panose="020B0503050000020004" pitchFamily="34" charset="0"/>
+                        </a:rPr>
+                        <a:t>1.85</a:t>
+                      </a:r>
+                    </a:p>
+                  </a:txBody>
+                  <a:tcPr anchor="ctr">
+                    <a:lnL w="12700" cap="flat" cmpd="sng" algn="ctr">
+                      <a:solidFill>
+                        <a:schemeClr val="bg2">
+                          <a:lumMod val="40000"/>
+                          <a:lumOff val="60000"/>
+                        </a:schemeClr>
+                      </a:solidFill>
+                      <a:prstDash val="solid"/>
+                      <a:round/>
+                      <a:headEnd type="none" w="med" len="med"/>
+                      <a:tailEnd type="none" w="med" len="med"/>
+                    </a:lnL>
+                    <a:lnR w="12700" cap="flat" cmpd="sng" algn="ctr">
+                      <a:solidFill>
+                        <a:schemeClr val="bg2">
+                          <a:lumMod val="40000"/>
+                          <a:lumOff val="60000"/>
+                        </a:schemeClr>
+                      </a:solidFill>
+                      <a:prstDash val="solid"/>
+                      <a:round/>
+                      <a:headEnd type="none" w="med" len="med"/>
+                      <a:tailEnd type="none" w="med" len="med"/>
+                    </a:lnR>
+                    <a:lnT w="12700" cap="flat" cmpd="sng" algn="ctr">
+                      <a:solidFill>
+                        <a:schemeClr val="bg2">
+                          <a:lumMod val="40000"/>
+                          <a:lumOff val="60000"/>
+                        </a:schemeClr>
+                      </a:solidFill>
+                      <a:prstDash val="solid"/>
+                      <a:round/>
+                      <a:headEnd type="none" w="med" len="med"/>
+                      <a:tailEnd type="none" w="med" len="med"/>
+                    </a:lnT>
+                    <a:lnB w="12700" cap="flat" cmpd="sng" algn="ctr">
+                      <a:solidFill>
+                        <a:schemeClr val="bg2">
+                          <a:lumMod val="40000"/>
+                          <a:lumOff val="60000"/>
+                        </a:schemeClr>
+                      </a:solidFill>
+                      <a:prstDash val="solid"/>
+                      <a:round/>
+                      <a:headEnd type="none" w="med" len="med"/>
+                      <a:tailEnd type="none" w="med" len="med"/>
+                    </a:lnB>
+                    <a:lnTlToBr w="12700" cmpd="sng">
+                      <a:noFill/>
+                      <a:prstDash val="solid"/>
+                    </a:lnTlToBr>
+                    <a:lnBlToTr w="12700" cmpd="sng">
+                      <a:noFill/>
+                      <a:prstDash val="solid"/>
+                    </a:lnBlToTr>
+                    <a:noFill/>
+                  </a:tcPr>
+                </a:tc>
+                <a:tc>
+                  <a:txBody>
+                    <a:bodyPr/>
+                    <a:lstStyle/>
+                    <a:p>
+                      <a:pPr algn="ctr">
+                        <a:buNone/>
+                      </a:pPr>
+                      <a:r>
+                        <a:rPr lang="en-US" sz="1300">
+                          <a:effectLst/>
+                          <a:latin typeface="Fira Sans" panose="020B0503050000020004" pitchFamily="34" charset="0"/>
+                        </a:rPr>
+                        <a:t>1.45</a:t>
+                      </a:r>
+                    </a:p>
+                  </a:txBody>
+                  <a:tcPr anchor="ctr">
+                    <a:lnL w="12700" cap="flat" cmpd="sng" algn="ctr">
+                      <a:solidFill>
+                        <a:schemeClr val="bg2">
+                          <a:lumMod val="40000"/>
+                          <a:lumOff val="60000"/>
+                        </a:schemeClr>
+                      </a:solidFill>
+                      <a:prstDash val="solid"/>
+                      <a:round/>
+                      <a:headEnd type="none" w="med" len="med"/>
+                      <a:tailEnd type="none" w="med" len="med"/>
+                    </a:lnL>
+                    <a:lnR w="12700" cap="flat" cmpd="sng" algn="ctr">
+                      <a:solidFill>
+                        <a:schemeClr val="bg2">
+                          <a:lumMod val="40000"/>
+                          <a:lumOff val="60000"/>
+                        </a:schemeClr>
+                      </a:solidFill>
+                      <a:prstDash val="solid"/>
+                      <a:round/>
+                      <a:headEnd type="none" w="med" len="med"/>
+                      <a:tailEnd type="none" w="med" len="med"/>
+                    </a:lnR>
+                    <a:lnT w="12700" cap="flat" cmpd="sng" algn="ctr">
+                      <a:solidFill>
+                        <a:schemeClr val="bg2">
+                          <a:lumMod val="40000"/>
+                          <a:lumOff val="60000"/>
+                        </a:schemeClr>
+                      </a:solidFill>
+                      <a:prstDash val="solid"/>
+                      <a:round/>
+                      <a:headEnd type="none" w="med" len="med"/>
+                      <a:tailEnd type="none" w="med" len="med"/>
+                    </a:lnT>
+                    <a:lnB w="12700" cap="flat" cmpd="sng" algn="ctr">
+                      <a:solidFill>
+                        <a:schemeClr val="bg2">
+                          <a:lumMod val="40000"/>
+                          <a:lumOff val="60000"/>
+                        </a:schemeClr>
+                      </a:solidFill>
+                      <a:prstDash val="solid"/>
+                      <a:round/>
+                      <a:headEnd type="none" w="med" len="med"/>
+                      <a:tailEnd type="none" w="med" len="med"/>
+                    </a:lnB>
+                    <a:lnTlToBr w="12700" cmpd="sng">
+                      <a:noFill/>
+                      <a:prstDash val="solid"/>
+                    </a:lnTlToBr>
+                    <a:lnBlToTr w="12700" cmpd="sng">
+                      <a:noFill/>
+                      <a:prstDash val="solid"/>
+                    </a:lnBlToTr>
+                    <a:noFill/>
+                  </a:tcPr>
+                </a:tc>
+                <a:tc>
+                  <a:txBody>
+                    <a:bodyPr/>
+                    <a:lstStyle/>
+                    <a:p>
+                      <a:pPr algn="ctr">
+                        <a:buNone/>
+                      </a:pPr>
+                      <a:r>
+                        <a:rPr lang="en-US" sz="1300">
+                          <a:effectLst/>
+                          <a:latin typeface="Fira Sans" panose="020B0503050000020004" pitchFamily="34" charset="0"/>
+                        </a:rPr>
+                        <a:t>2.30</a:t>
+                      </a:r>
+                    </a:p>
+                  </a:txBody>
+                  <a:tcPr anchor="ctr">
+                    <a:lnL w="12700" cap="flat" cmpd="sng" algn="ctr">
+                      <a:solidFill>
+                        <a:schemeClr val="bg2">
+                          <a:lumMod val="40000"/>
+                          <a:lumOff val="60000"/>
+                        </a:schemeClr>
+                      </a:solidFill>
+                      <a:prstDash val="solid"/>
+                      <a:round/>
+                      <a:headEnd type="none" w="med" len="med"/>
+                      <a:tailEnd type="none" w="med" len="med"/>
+                    </a:lnL>
+                    <a:lnR w="12700" cap="flat" cmpd="sng" algn="ctr">
+                      <a:solidFill>
+                        <a:schemeClr val="bg2">
+                          <a:lumMod val="40000"/>
+                          <a:lumOff val="60000"/>
+                        </a:schemeClr>
+                      </a:solidFill>
+                      <a:prstDash val="solid"/>
+                      <a:round/>
+                      <a:headEnd type="none" w="med" len="med"/>
+                      <a:tailEnd type="none" w="med" len="med"/>
+                    </a:lnR>
+                    <a:lnT w="12700" cap="flat" cmpd="sng" algn="ctr">
+                      <a:solidFill>
+                        <a:schemeClr val="bg2">
+                          <a:lumMod val="40000"/>
+                          <a:lumOff val="60000"/>
+                        </a:schemeClr>
+                      </a:solidFill>
+                      <a:prstDash val="solid"/>
+                      <a:round/>
+                      <a:headEnd type="none" w="med" len="med"/>
+                      <a:tailEnd type="none" w="med" len="med"/>
+                    </a:lnT>
+                    <a:lnB w="12700" cap="flat" cmpd="sng" algn="ctr">
+                      <a:solidFill>
+                        <a:schemeClr val="bg2">
+                          <a:lumMod val="40000"/>
+                          <a:lumOff val="60000"/>
+                        </a:schemeClr>
+                      </a:solidFill>
+                      <a:prstDash val="solid"/>
+                      <a:round/>
+                      <a:headEnd type="none" w="med" len="med"/>
+                      <a:tailEnd type="none" w="med" len="med"/>
+                    </a:lnB>
+                    <a:lnTlToBr w="12700" cmpd="sng">
+                      <a:noFill/>
+                      <a:prstDash val="solid"/>
+                    </a:lnTlToBr>
+                    <a:lnBlToTr w="12700" cmpd="sng">
+                      <a:noFill/>
+                      <a:prstDash val="solid"/>
+                    </a:lnBlToTr>
+                    <a:noFill/>
+                  </a:tcPr>
+                </a:tc>
+                <a:tc>
+                  <a:txBody>
+                    <a:bodyPr/>
+                    <a:lstStyle/>
+                    <a:p>
+                      <a:pPr algn="ctr">
+                        <a:buNone/>
+                      </a:pPr>
+                      <a:r>
+                        <a:rPr lang="en-US" sz="1300">
+                          <a:effectLst/>
+                          <a:latin typeface="Fira Sans" panose="020B0503050000020004" pitchFamily="34" charset="0"/>
+                        </a:rPr>
+                        <a:t>HSE Dublin and South East</a:t>
+                      </a:r>
+                    </a:p>
+                  </a:txBody>
+                  <a:tcPr anchor="ctr">
+                    <a:lnL w="12700" cap="flat" cmpd="sng" algn="ctr">
+                      <a:solidFill>
+                        <a:schemeClr val="bg2">
+                          <a:lumMod val="40000"/>
+                          <a:lumOff val="60000"/>
+                        </a:schemeClr>
+                      </a:solidFill>
+                      <a:prstDash val="solid"/>
+                      <a:round/>
+                      <a:headEnd type="none" w="med" len="med"/>
+                      <a:tailEnd type="none" w="med" len="med"/>
+                    </a:lnL>
+                    <a:lnR w="12700" cap="flat" cmpd="sng" algn="ctr">
+                      <a:solidFill>
+                        <a:schemeClr val="bg2">
+                          <a:lumMod val="40000"/>
+                          <a:lumOff val="60000"/>
+                        </a:schemeClr>
+                      </a:solidFill>
+                      <a:prstDash val="solid"/>
+                      <a:round/>
+                      <a:headEnd type="none" w="med" len="med"/>
+                      <a:tailEnd type="none" w="med" len="med"/>
+                    </a:lnR>
+                    <a:lnT w="12700" cap="flat" cmpd="sng" algn="ctr">
+                      <a:solidFill>
+                        <a:schemeClr val="bg2">
+                          <a:lumMod val="40000"/>
+                          <a:lumOff val="60000"/>
+                        </a:schemeClr>
+                      </a:solidFill>
+                      <a:prstDash val="solid"/>
+                      <a:round/>
+                      <a:headEnd type="none" w="med" len="med"/>
+                      <a:tailEnd type="none" w="med" len="med"/>
+                    </a:lnT>
+                    <a:lnB w="12700" cap="flat" cmpd="sng" algn="ctr">
+                      <a:solidFill>
+                        <a:schemeClr val="bg2">
+                          <a:lumMod val="40000"/>
+                          <a:lumOff val="60000"/>
+                        </a:schemeClr>
+                      </a:solidFill>
+                      <a:prstDash val="solid"/>
+                      <a:round/>
+                      <a:headEnd type="none" w="med" len="med"/>
+                      <a:tailEnd type="none" w="med" len="med"/>
+                    </a:lnB>
+                    <a:lnTlToBr w="12700" cmpd="sng">
+                      <a:noFill/>
+                      <a:prstDash val="solid"/>
+                    </a:lnTlToBr>
+                    <a:lnBlToTr w="12700" cmpd="sng">
+                      <a:noFill/>
+                      <a:prstDash val="solid"/>
+                    </a:lnBlToTr>
+                    <a:noFill/>
+                  </a:tcPr>
+                </a:tc>
+                <a:extLst>
+                  <a:ext uri="{0D108BD9-81ED-4DB2-BD59-A6C34878D82A}">
+                    <a16:rowId xmlns:a16="http://schemas.microsoft.com/office/drawing/2014/main" val="3035608754"/>
+                  </a:ext>
+                </a:extLst>
+              </a:tr>
+              <a:tr h="288014">
+                <a:tc>
+                  <a:txBody>
+                    <a:bodyPr/>
+                    <a:lstStyle/>
+                    <a:p>
+                      <a:pPr algn="ctr">
+                        <a:buNone/>
+                      </a:pPr>
+                      <a:r>
+                        <a:rPr lang="en-US" sz="1300">
+                          <a:effectLst/>
+                          <a:latin typeface="Fira Sans" panose="020B0503050000020004" pitchFamily="34" charset="0"/>
+                        </a:rPr>
+                        <a:t>2.42</a:t>
+                      </a:r>
+                    </a:p>
+                  </a:txBody>
+                  <a:tcPr anchor="ctr">
+                    <a:lnL w="12700" cap="flat" cmpd="sng" algn="ctr">
+                      <a:solidFill>
+                        <a:schemeClr val="bg2">
+                          <a:lumMod val="40000"/>
+                          <a:lumOff val="60000"/>
+                        </a:schemeClr>
+                      </a:solidFill>
+                      <a:prstDash val="solid"/>
+                      <a:round/>
+                      <a:headEnd type="none" w="med" len="med"/>
+                      <a:tailEnd type="none" w="med" len="med"/>
+                    </a:lnL>
+                    <a:lnR w="12700" cap="flat" cmpd="sng" algn="ctr">
+                      <a:solidFill>
+                        <a:schemeClr val="bg2">
+                          <a:lumMod val="40000"/>
+                          <a:lumOff val="60000"/>
+                        </a:schemeClr>
+                      </a:solidFill>
+                      <a:prstDash val="solid"/>
+                      <a:round/>
+                      <a:headEnd type="none" w="med" len="med"/>
+                      <a:tailEnd type="none" w="med" len="med"/>
+                    </a:lnR>
+                    <a:lnT w="12700" cap="flat" cmpd="sng" algn="ctr">
+                      <a:solidFill>
+                        <a:schemeClr val="bg2">
+                          <a:lumMod val="40000"/>
+                          <a:lumOff val="60000"/>
+                        </a:schemeClr>
+                      </a:solidFill>
+                      <a:prstDash val="solid"/>
+                      <a:round/>
+                      <a:headEnd type="none" w="med" len="med"/>
+                      <a:tailEnd type="none" w="med" len="med"/>
+                    </a:lnT>
+                    <a:lnB w="12700" cap="flat" cmpd="sng" algn="ctr">
+                      <a:solidFill>
+                        <a:schemeClr val="bg2">
+                          <a:lumMod val="40000"/>
+                          <a:lumOff val="60000"/>
+                        </a:schemeClr>
+                      </a:solidFill>
+                      <a:prstDash val="solid"/>
+                      <a:round/>
+                      <a:headEnd type="none" w="med" len="med"/>
+                      <a:tailEnd type="none" w="med" len="med"/>
+                    </a:lnB>
+                    <a:lnTlToBr w="12700" cmpd="sng">
+                      <a:noFill/>
+                      <a:prstDash val="solid"/>
+                    </a:lnTlToBr>
+                    <a:lnBlToTr w="12700" cmpd="sng">
+                      <a:noFill/>
+                      <a:prstDash val="solid"/>
+                    </a:lnBlToTr>
+                    <a:noFill/>
+                  </a:tcPr>
+                </a:tc>
+                <a:tc>
+                  <a:txBody>
+                    <a:bodyPr/>
+                    <a:lstStyle/>
+                    <a:p>
+                      <a:pPr algn="ctr">
+                        <a:buNone/>
+                      </a:pPr>
+                      <a:r>
+                        <a:rPr lang="en-US" sz="1300">
+                          <a:effectLst/>
+                          <a:latin typeface="Fira Sans" panose="020B0503050000020004" pitchFamily="34" charset="0"/>
+                        </a:rPr>
+                        <a:t>1.90</a:t>
+                      </a:r>
+                    </a:p>
+                  </a:txBody>
+                  <a:tcPr anchor="ctr">
+                    <a:lnL w="12700" cap="flat" cmpd="sng" algn="ctr">
+                      <a:solidFill>
+                        <a:schemeClr val="bg2">
+                          <a:lumMod val="40000"/>
+                          <a:lumOff val="60000"/>
+                        </a:schemeClr>
+                      </a:solidFill>
+                      <a:prstDash val="solid"/>
+                      <a:round/>
+                      <a:headEnd type="none" w="med" len="med"/>
+                      <a:tailEnd type="none" w="med" len="med"/>
+                    </a:lnL>
+                    <a:lnR w="12700" cap="flat" cmpd="sng" algn="ctr">
+                      <a:solidFill>
+                        <a:schemeClr val="bg2">
+                          <a:lumMod val="40000"/>
+                          <a:lumOff val="60000"/>
+                        </a:schemeClr>
+                      </a:solidFill>
+                      <a:prstDash val="solid"/>
+                      <a:round/>
+                      <a:headEnd type="none" w="med" len="med"/>
+                      <a:tailEnd type="none" w="med" len="med"/>
+                    </a:lnR>
+                    <a:lnT w="12700" cap="flat" cmpd="sng" algn="ctr">
+                      <a:solidFill>
+                        <a:schemeClr val="bg2">
+                          <a:lumMod val="40000"/>
+                          <a:lumOff val="60000"/>
+                        </a:schemeClr>
+                      </a:solidFill>
+                      <a:prstDash val="solid"/>
+                      <a:round/>
+                      <a:headEnd type="none" w="med" len="med"/>
+                      <a:tailEnd type="none" w="med" len="med"/>
+                    </a:lnT>
+                    <a:lnB w="12700" cap="flat" cmpd="sng" algn="ctr">
+                      <a:solidFill>
+                        <a:schemeClr val="bg2">
+                          <a:lumMod val="40000"/>
+                          <a:lumOff val="60000"/>
+                        </a:schemeClr>
+                      </a:solidFill>
+                      <a:prstDash val="solid"/>
+                      <a:round/>
+                      <a:headEnd type="none" w="med" len="med"/>
+                      <a:tailEnd type="none" w="med" len="med"/>
+                    </a:lnB>
+                    <a:lnTlToBr w="12700" cmpd="sng">
+                      <a:noFill/>
+                      <a:prstDash val="solid"/>
+                    </a:lnTlToBr>
+                    <a:lnBlToTr w="12700" cmpd="sng">
+                      <a:noFill/>
+                      <a:prstDash val="solid"/>
+                    </a:lnBlToTr>
+                    <a:noFill/>
+                  </a:tcPr>
+                </a:tc>
+                <a:tc>
+                  <a:txBody>
+                    <a:bodyPr/>
+                    <a:lstStyle/>
+                    <a:p>
+                      <a:pPr algn="ctr">
+                        <a:buNone/>
+                      </a:pPr>
+                      <a:r>
+                        <a:rPr lang="en-US" sz="1300" dirty="0">
+                          <a:effectLst/>
+                          <a:latin typeface="Fira Sans" panose="020B0503050000020004" pitchFamily="34" charset="0"/>
+                        </a:rPr>
+                        <a:t>3.00</a:t>
+                      </a:r>
+                    </a:p>
+                  </a:txBody>
+                  <a:tcPr anchor="ctr">
+                    <a:lnL w="12700" cap="flat" cmpd="sng" algn="ctr">
+                      <a:solidFill>
+                        <a:schemeClr val="bg2">
+                          <a:lumMod val="40000"/>
+                          <a:lumOff val="60000"/>
+                        </a:schemeClr>
+                      </a:solidFill>
+                      <a:prstDash val="solid"/>
+                      <a:round/>
+                      <a:headEnd type="none" w="med" len="med"/>
+                      <a:tailEnd type="none" w="med" len="med"/>
+                    </a:lnL>
+                    <a:lnR w="12700" cap="flat" cmpd="sng" algn="ctr">
+                      <a:solidFill>
+                        <a:schemeClr val="bg2">
+                          <a:lumMod val="40000"/>
+                          <a:lumOff val="60000"/>
+                        </a:schemeClr>
+                      </a:solidFill>
+                      <a:prstDash val="solid"/>
+                      <a:round/>
+                      <a:headEnd type="none" w="med" len="med"/>
+                      <a:tailEnd type="none" w="med" len="med"/>
+                    </a:lnR>
+                    <a:lnT w="12700" cap="flat" cmpd="sng" algn="ctr">
+                      <a:solidFill>
+                        <a:schemeClr val="bg2">
+                          <a:lumMod val="40000"/>
+                          <a:lumOff val="60000"/>
+                        </a:schemeClr>
+                      </a:solidFill>
+                      <a:prstDash val="solid"/>
+                      <a:round/>
+                      <a:headEnd type="none" w="med" len="med"/>
+                      <a:tailEnd type="none" w="med" len="med"/>
+                    </a:lnT>
+                    <a:lnB w="12700" cap="flat" cmpd="sng" algn="ctr">
+                      <a:solidFill>
+                        <a:schemeClr val="bg2">
+                          <a:lumMod val="40000"/>
+                          <a:lumOff val="60000"/>
+                        </a:schemeClr>
+                      </a:solidFill>
+                      <a:prstDash val="solid"/>
+                      <a:round/>
+                      <a:headEnd type="none" w="med" len="med"/>
+                      <a:tailEnd type="none" w="med" len="med"/>
+                    </a:lnB>
+                    <a:lnTlToBr w="12700" cmpd="sng">
+                      <a:noFill/>
+                      <a:prstDash val="solid"/>
+                    </a:lnTlToBr>
+                    <a:lnBlToTr w="12700" cmpd="sng">
+                      <a:noFill/>
+                      <a:prstDash val="solid"/>
+                    </a:lnBlToTr>
+                    <a:noFill/>
+                  </a:tcPr>
+                </a:tc>
+                <a:tc>
+                  <a:txBody>
+                    <a:bodyPr/>
+                    <a:lstStyle/>
+                    <a:p>
+                      <a:pPr algn="ctr">
+                        <a:buNone/>
+                      </a:pPr>
+                      <a:r>
+                        <a:rPr lang="en-US" sz="1300" dirty="0">
+                          <a:effectLst/>
+                          <a:latin typeface="Fira Sans" panose="020B0503050000020004" pitchFamily="34" charset="0"/>
+                        </a:rPr>
+                        <a:t>HSE Dublin and North East</a:t>
+                      </a:r>
+                    </a:p>
+                  </a:txBody>
+                  <a:tcPr anchor="ctr">
+                    <a:lnL w="12700" cap="flat" cmpd="sng" algn="ctr">
+                      <a:solidFill>
+                        <a:schemeClr val="bg2">
+                          <a:lumMod val="40000"/>
+                          <a:lumOff val="60000"/>
+                        </a:schemeClr>
+                      </a:solidFill>
+                      <a:prstDash val="solid"/>
+                      <a:round/>
+                      <a:headEnd type="none" w="med" len="med"/>
+                      <a:tailEnd type="none" w="med" len="med"/>
+                    </a:lnL>
+                    <a:lnR w="12700" cap="flat" cmpd="sng" algn="ctr">
+                      <a:solidFill>
+                        <a:schemeClr val="bg2">
+                          <a:lumMod val="40000"/>
+                          <a:lumOff val="60000"/>
+                        </a:schemeClr>
+                      </a:solidFill>
+                      <a:prstDash val="solid"/>
+                      <a:round/>
+                      <a:headEnd type="none" w="med" len="med"/>
+                      <a:tailEnd type="none" w="med" len="med"/>
+                    </a:lnR>
+                    <a:lnT w="12700" cap="flat" cmpd="sng" algn="ctr">
+                      <a:solidFill>
+                        <a:schemeClr val="bg2">
+                          <a:lumMod val="40000"/>
+                          <a:lumOff val="60000"/>
+                        </a:schemeClr>
+                      </a:solidFill>
+                      <a:prstDash val="solid"/>
+                      <a:round/>
+                      <a:headEnd type="none" w="med" len="med"/>
+                      <a:tailEnd type="none" w="med" len="med"/>
+                    </a:lnT>
+                    <a:lnB w="12700" cap="flat" cmpd="sng" algn="ctr">
+                      <a:solidFill>
+                        <a:schemeClr val="bg2">
+                          <a:lumMod val="40000"/>
+                          <a:lumOff val="60000"/>
+                        </a:schemeClr>
+                      </a:solidFill>
+                      <a:prstDash val="solid"/>
+                      <a:round/>
+                      <a:headEnd type="none" w="med" len="med"/>
+                      <a:tailEnd type="none" w="med" len="med"/>
+                    </a:lnB>
+                    <a:lnTlToBr w="12700" cmpd="sng">
+                      <a:noFill/>
+                      <a:prstDash val="solid"/>
+                    </a:lnTlToBr>
+                    <a:lnBlToTr w="12700" cmpd="sng">
+                      <a:noFill/>
+                      <a:prstDash val="solid"/>
+                    </a:lnBlToTr>
+                    <a:noFill/>
+                  </a:tcPr>
+                </a:tc>
+                <a:extLst>
+                  <a:ext uri="{0D108BD9-81ED-4DB2-BD59-A6C34878D82A}">
+                    <a16:rowId xmlns:a16="http://schemas.microsoft.com/office/drawing/2014/main" val="3957058543"/>
+                  </a:ext>
+                </a:extLst>
+              </a:tr>
+            </a:tbl>
+          </a:graphicData>
+        </a:graphic>
+      </p:graphicFrame>
     </p:spTree>
     <p:extLst>
       <p:ext uri="{BB962C8B-B14F-4D97-AF65-F5344CB8AC3E}">

--- a/Poster/Poster_Presentation.pptx
+++ b/Poster/Poster_Presentation.pptx
@@ -8130,7 +8130,7 @@
         </p:nvSpPr>
         <p:spPr>
           <a:xfrm>
-            <a:off x="1100454" y="10345730"/>
+            <a:off x="1100454" y="9987914"/>
             <a:ext cx="6781381" cy="771524"/>
           </a:xfrm>
           <a:prstGeom prst="rect">
@@ -8156,7 +8156,7 @@
               <a:buSzPts val="4800"/>
             </a:pPr>
             <a:r>
-              <a:rPr lang="en" sz="3118" b="1">
+              <a:rPr lang="en" sz="3118" b="1" dirty="0">
                 <a:solidFill>
                   <a:schemeClr val="lt1"/>
                 </a:solidFill>
@@ -8167,7 +8167,7 @@
               </a:rPr>
               <a:t>Methods</a:t>
             </a:r>
-            <a:endParaRPr sz="611">
+            <a:endParaRPr sz="611" dirty="0">
               <a:latin typeface="Arial" panose="020B0604020202020204" pitchFamily="34" charset="0"/>
               <a:cs typeface="Arial" panose="020B0604020202020204" pitchFamily="34" charset="0"/>
             </a:endParaRPr>
@@ -8647,8 +8647,8 @@
         </p:nvSpPr>
         <p:spPr>
           <a:xfrm>
-            <a:off x="1129211" y="4403898"/>
-            <a:ext cx="6702985" cy="5505353"/>
+            <a:off x="1151807" y="4241159"/>
+            <a:ext cx="6702985" cy="4291559"/>
           </a:xfrm>
           <a:prstGeom prst="rect">
             <a:avLst/>
@@ -8684,7 +8684,7 @@
                 <a:ea typeface="Calibri" panose="020F0502020204030204" pitchFamily="34" charset="0"/>
                 <a:cs typeface="Arial" panose="020B0604020202020204" pitchFamily="34" charset="0"/>
               </a:rPr>
-              <a:t>Despite its widespread use, trolley data is typically reported as raw daily counts, offering limited insight into temporal dynamics, uncertainty, or systematic differences across hospital catchment areas. To date, there is limited evidence of studies applying statistical modelling to trolley data to quantify uncertainty, identify systematic patterns, or support robust comparative assessments of hospital pressure.</a:t>
+              <a:t>Despite its widespread use, trolley data is typically reported as raw daily counts, offering limited insight into temporal dynamics, uncertainty, or systematic differences across hospital health region populations. </a:t>
             </a:r>
           </a:p>
           <a:p>
@@ -8701,18 +8701,8 @@
                 <a:ea typeface="Calibri" panose="020F0502020204030204" pitchFamily="34" charset="0"/>
                 <a:cs typeface="Arial" panose="020B0604020202020204" pitchFamily="34" charset="0"/>
               </a:rPr>
-              <a:t>For our initial report we fitted an AR(1) model with an annual cycle component. A Bayesian approach allows uncertainty in observed counts and model parameters to be propagated through to rankings, which should serve as a better alternative to count based statistical analysis alone. </a:t>
+              <a:t>To date, there is limited evidence of studies applying statistical modelling to trolley data to quantify uncertainty, identify systematic patterns, or support robust comparative assessments of hospital pressure.</a:t>
             </a:r>
-            <a:endParaRPr lang="en-IE" sz="1819" dirty="0">
-              <a:latin typeface="Arial" panose="020B0604020202020204" pitchFamily="34" charset="0"/>
-              <a:cs typeface="Arial" panose="020B0604020202020204" pitchFamily="34" charset="0"/>
-            </a:endParaRPr>
-          </a:p>
-          <a:p>
-            <a:endParaRPr lang="en-IE" sz="611" dirty="0">
-              <a:latin typeface="Arial" panose="020B0604020202020204" pitchFamily="34" charset="0"/>
-              <a:cs typeface="Arial" panose="020B0604020202020204" pitchFamily="34" charset="0"/>
-            </a:endParaRPr>
           </a:p>
         </p:txBody>
       </p:sp>
@@ -8789,7 +8779,7 @@
             </p:nvSpPr>
             <p:spPr>
               <a:xfrm>
-                <a:off x="1124062" y="11493482"/>
+                <a:off x="1124062" y="11135666"/>
                 <a:ext cx="6867963" cy="9135450"/>
               </a:xfrm>
               <a:prstGeom prst="rect">
@@ -10534,7 +10524,7 @@
             </p:nvSpPr>
             <p:spPr>
               <a:xfrm>
-                <a:off x="1124062" y="11493482"/>
+                <a:off x="1124062" y="11135666"/>
                 <a:ext cx="6867963" cy="9135450"/>
               </a:xfrm>
               <a:prstGeom prst="rect">
@@ -10543,7 +10533,7 @@
               <a:blipFill>
                 <a:blip r:embed="rId5"/>
                 <a:stretch>
-                  <a:fillRect l="-738" t="-277" r="-738"/>
+                  <a:fillRect l="-738" t="-278" r="-738"/>
                 </a:stretch>
               </a:blipFill>
             </p:spPr>

--- a/Poster/Poster_Presentation.pptx
+++ b/Poster/Poster_Presentation.pptx
@@ -8389,8 +8389,8 @@
           </a:p>
         </p:txBody>
       </p:sp>
-      <mc:AlternateContent xmlns:mc="http://schemas.openxmlformats.org/markup-compatibility/2006">
-        <mc:Choice xmlns:a14="http://schemas.microsoft.com/office/drawing/2010/main" Requires="a14">
+      <mc:AlternateContent xmlns:mc="http://schemas.openxmlformats.org/markup-compatibility/2006" xmlns:a14="http://schemas.microsoft.com/office/drawing/2010/main">
+        <mc:Choice Requires="a14">
           <p:sp>
             <p:nvSpPr>
               <p:cNvPr id="63" name="Google Shape;63;p13">
@@ -8428,12 +8428,12 @@
                   </a:buClr>
                   <a:buSzPts val="6000"/>
                 </a:pPr>
-                <a14:m/>
+                <a:endParaRPr/>
               </a:p>
             </p:txBody>
           </p:sp>
         </mc:Choice>
-        <mc:Fallback>
+        <mc:Fallback xmlns="">
           <p:sp>
             <p:nvSpPr>
               <p:cNvPr id="63" name="Google Shape;63;p13">
@@ -8647,7 +8647,7 @@
         </p:nvSpPr>
         <p:spPr>
           <a:xfrm>
-            <a:off x="1151807" y="4241159"/>
+            <a:off x="1141302" y="4484916"/>
             <a:ext cx="6702985" cy="4291559"/>
           </a:xfrm>
           <a:prstGeom prst="rect">
@@ -8667,7 +8667,7 @@
                 <a:ea typeface="Calibri" panose="020F0502020204030204" pitchFamily="34" charset="0"/>
                 <a:cs typeface="Arial" panose="020B0604020202020204" pitchFamily="34" charset="0"/>
               </a:rPr>
-              <a:t>In Irish emergency departments it is common to put patients on trolleys after they have been admitted but are awaiting treatment. Live daily counts of patients on trolleys are frequently used by policymakers and the media to assess levels of hospital overcrowding [1].</a:t>
+              <a:t>In Irish emergency departments it is standard to put patients on trolleys after having been admitted and before being seen. Live daily counts of patients on trolleys are frequently used by policymakers and the media to assess levels of hospital overcrowding [1].</a:t>
             </a:r>
           </a:p>
           <a:p>
@@ -8780,7 +8780,7 @@
             <p:spPr>
               <a:xfrm>
                 <a:off x="1124062" y="11135666"/>
-                <a:ext cx="6867963" cy="9135450"/>
+                <a:ext cx="6867963" cy="8855501"/>
               </a:xfrm>
               <a:prstGeom prst="rect">
                 <a:avLst/>
@@ -9727,6 +9727,15 @@
                       </m:r>
                     </m:oMath>
                   </m:oMathPara>
+                </a14:m>
+                <a:endParaRPr lang="en-US" sz="1559" dirty="0">
+                  <a:latin typeface="Cambria Math" panose="02040503050406030204" pitchFamily="18" charset="0"/>
+                  <a:cs typeface="Arial" panose="020B0604020202020204" pitchFamily="34" charset="0"/>
+                </a:endParaRPr>
+              </a:p>
+              <a:p>
+                <a:pPr algn="ctr"/>
+                <a14:m>
                   <m:oMathPara xmlns:m="http://schemas.openxmlformats.org/officeDocument/2006/math">
                     <m:oMathParaPr>
                       <m:jc m:val="centerGroup"/>
@@ -9735,7 +9744,7 @@
                       <m:sSub>
                         <m:sSubPr>
                           <m:ctrlPr>
-                            <a:rPr lang="en-US" sz="1559" i="1" smtClean="0">
+                            <a:rPr lang="en-US" sz="1559" i="1">
                               <a:latin typeface="Cambria Math" panose="02040503050406030204" pitchFamily="18" charset="0"/>
                               <a:cs typeface="Arial" panose="020B0604020202020204" pitchFamily="34" charset="0"/>
                             </a:rPr>
@@ -9743,7 +9752,7 @@
                         </m:sSubPr>
                         <m:e>
                           <m:r>
-                            <a:rPr lang="en-US" sz="1559" i="1" smtClean="0">
+                            <a:rPr lang="en-US" sz="1559" i="1">
                               <a:latin typeface="Cambria Math" panose="02040503050406030204" pitchFamily="18" charset="0"/>
                               <a:cs typeface="Arial" panose="020B0604020202020204" pitchFamily="34" charset="0"/>
                             </a:rPr>
@@ -10052,11 +10061,8 @@
                     </m:oMath>
                   </m:oMathPara>
                 </a14:m>
-              </a:p>
-              <a:p>
-                <a:pPr/>
                 <a:endParaRPr lang="en-US" sz="1559" dirty="0">
-                  <a:latin typeface="Arial" panose="020B0604020202020204" pitchFamily="34" charset="0"/>
+                  <a:latin typeface="Cambria Math" panose="02040503050406030204" pitchFamily="18" charset="0"/>
                   <a:cs typeface="Arial" panose="020B0604020202020204" pitchFamily="34" charset="0"/>
                 </a:endParaRPr>
               </a:p>
@@ -10392,7 +10398,6 @@
                 </a:endParaRPr>
               </a:p>
               <a:p>
-                <a:pPr/>
                 <a:endParaRPr lang="en-US" sz="1299" dirty="0">
                   <a:latin typeface="Arial" panose="020B0604020202020204" pitchFamily="34" charset="0"/>
                   <a:cs typeface="Arial" panose="020B0604020202020204" pitchFamily="34" charset="0"/>
@@ -10525,7 +10530,7 @@
             <p:spPr>
               <a:xfrm>
                 <a:off x="1124062" y="11135666"/>
-                <a:ext cx="6867963" cy="9135450"/>
+                <a:ext cx="6867963" cy="8855501"/>
               </a:xfrm>
               <a:prstGeom prst="rect">
                 <a:avLst/>
@@ -10533,7 +10538,7 @@
               <a:blipFill>
                 <a:blip r:embed="rId5"/>
                 <a:stretch>
-                  <a:fillRect l="-738" t="-278" r="-738"/>
+                  <a:fillRect l="-738" t="-287" r="-738"/>
                 </a:stretch>
               </a:blipFill>
             </p:spPr>
@@ -13663,8 +13668,8 @@
           </a:graphicData>
         </a:graphic>
       </p:graphicFrame>
-      <mc:AlternateContent xmlns:mc="http://schemas.openxmlformats.org/markup-compatibility/2006">
-        <mc:Choice xmlns:a14="http://schemas.microsoft.com/office/drawing/2010/main" Requires="a14">
+      <mc:AlternateContent xmlns:mc="http://schemas.openxmlformats.org/markup-compatibility/2006" xmlns:a14="http://schemas.microsoft.com/office/drawing/2010/main">
+        <mc:Choice Requires="a14">
           <p:sp>
             <p:nvSpPr>
               <p:cNvPr id="33" name="TextBox 32">
@@ -13749,7 +13754,7 @@
             </p:txBody>
           </p:sp>
         </mc:Choice>
-        <mc:Fallback>
+        <mc:Fallback xmlns="">
           <p:sp>
             <p:nvSpPr>
               <p:cNvPr id="33" name="TextBox 32">
@@ -14288,8 +14293,8 @@
           </p:sp>
         </mc:Fallback>
       </mc:AlternateContent>
-      <mc:AlternateContent xmlns:mc="http://schemas.openxmlformats.org/markup-compatibility/2006">
-        <mc:Choice xmlns:a14="http://schemas.microsoft.com/office/drawing/2010/main" Requires="a14">
+      <mc:AlternateContent xmlns:mc="http://schemas.openxmlformats.org/markup-compatibility/2006" xmlns:a14="http://schemas.microsoft.com/office/drawing/2010/main">
+        <mc:Choice Requires="a14">
           <p:sp>
             <p:nvSpPr>
               <p:cNvPr id="19" name="TextBox 18">
@@ -14390,7 +14395,7 @@
             </p:txBody>
           </p:sp>
         </mc:Choice>
-        <mc:Fallback>
+        <mc:Fallback xmlns="">
           <p:sp>
             <p:nvSpPr>
               <p:cNvPr id="19" name="TextBox 18">
@@ -14435,8 +14440,8 @@
           </p:sp>
         </mc:Fallback>
       </mc:AlternateContent>
-      <mc:AlternateContent xmlns:mc="http://schemas.openxmlformats.org/markup-compatibility/2006">
-        <mc:Choice xmlns:a14="http://schemas.microsoft.com/office/drawing/2010/main" Requires="a14">
+      <mc:AlternateContent xmlns:mc="http://schemas.openxmlformats.org/markup-compatibility/2006" xmlns:a14="http://schemas.microsoft.com/office/drawing/2010/main">
+        <mc:Choice Requires="a14">
           <p:sp>
             <p:nvSpPr>
               <p:cNvPr id="22" name="TextBox 21">
@@ -14486,7 +14491,7 @@
             </p:txBody>
           </p:sp>
         </mc:Choice>
-        <mc:Fallback>
+        <mc:Fallback xmlns="">
           <p:sp>
             <p:nvSpPr>
               <p:cNvPr id="22" name="TextBox 21">
